--- a/NET-Core-Containers/netcore-containers.pptx
+++ b/NET-Core-Containers/netcore-containers.pptx
@@ -9,10 +9,10 @@
     <p:sldMasterId id="2147484603" r:id="rId8"/>
   </p:sldMasterIdLst>
   <p:notesMasterIdLst>
-    <p:notesMasterId r:id="rId28"/>
+    <p:notesMasterId r:id="rId25"/>
   </p:notesMasterIdLst>
   <p:handoutMasterIdLst>
-    <p:handoutMasterId r:id="rId29"/>
+    <p:handoutMasterId r:id="rId26"/>
   </p:handoutMasterIdLst>
   <p:sldIdLst>
     <p:sldId id="1393" r:id="rId9"/>
@@ -22,18 +22,15 @@
     <p:sldId id="1403" r:id="rId13"/>
     <p:sldId id="1434" r:id="rId14"/>
     <p:sldId id="1435" r:id="rId15"/>
-    <p:sldId id="1437" r:id="rId16"/>
-    <p:sldId id="1436" r:id="rId17"/>
-    <p:sldId id="1433" r:id="rId18"/>
-    <p:sldId id="1401" r:id="rId19"/>
-    <p:sldId id="1406" r:id="rId20"/>
-    <p:sldId id="1438" r:id="rId21"/>
+    <p:sldId id="1436" r:id="rId16"/>
+    <p:sldId id="1433" r:id="rId17"/>
+    <p:sldId id="1401" r:id="rId18"/>
+    <p:sldId id="1406" r:id="rId19"/>
+    <p:sldId id="1438" r:id="rId20"/>
+    <p:sldId id="1444" r:id="rId21"/>
     <p:sldId id="1397" r:id="rId22"/>
-    <p:sldId id="1439" r:id="rId23"/>
-    <p:sldId id="1440" r:id="rId24"/>
-    <p:sldId id="1441" r:id="rId25"/>
-    <p:sldId id="1399" r:id="rId26"/>
-    <p:sldId id="1442" r:id="rId27"/>
+    <p:sldId id="1399" r:id="rId23"/>
+    <p:sldId id="1442" r:id="rId24"/>
   </p:sldIdLst>
   <p:sldSz cx="12436475" cy="6994525"/>
   <p:notesSz cx="6858000" cy="9144000"/>
@@ -144,16 +141,13 @@
             <p14:sldId id="1403"/>
             <p14:sldId id="1434"/>
             <p14:sldId id="1435"/>
-            <p14:sldId id="1437"/>
             <p14:sldId id="1436"/>
             <p14:sldId id="1433"/>
             <p14:sldId id="1401"/>
             <p14:sldId id="1406"/>
             <p14:sldId id="1438"/>
+            <p14:sldId id="1444"/>
             <p14:sldId id="1397"/>
-            <p14:sldId id="1439"/>
-            <p14:sldId id="1440"/>
-            <p14:sldId id="1441"/>
             <p14:sldId id="1399"/>
             <p14:sldId id="1442"/>
           </p14:sldIdLst>
@@ -185,12 +179,8 @@
 <p:cmAuthorLst xmlns:a="http://schemas.openxmlformats.org/drawingml/2006/main" xmlns:r="http://schemas.openxmlformats.org/officeDocument/2006/relationships" xmlns:p="http://schemas.openxmlformats.org/presentationml/2006/main">
   <p:cmAuthor id="0" name="Saku Uchikawa" initials="SU" lastIdx="11" clrIdx="0"/>
   <p:cmAuthor id="1" name="Mary Feil-Jacobs" initials="MFJ" lastIdx="43" clrIdx="1"/>
-  <p:cmAuthor id="2" name="Monica Lueder" initials="ML" lastIdx="22" clrIdx="2">
-    <p:extLst/>
-  </p:cmAuthor>
-  <p:cmAuthor id="3" name="Mary Feil-Jacobs" initials="MF" lastIdx="22" clrIdx="3">
-    <p:extLst/>
-  </p:cmAuthor>
+  <p:cmAuthor id="2" name="Monica Lueder" initials="ML" lastIdx="22" clrIdx="2"/>
+  <p:cmAuthor id="3" name="Mary Feil-Jacobs" initials="MF" lastIdx="22" clrIdx="3"/>
   <p:cmAuthor id="4" name="Cesar De la Torre" initials="CDlT" lastIdx="1" clrIdx="4">
     <p:extLst>
       <p:ext uri="{19B8F6BF-5375-455C-9EA6-DF929625EA0E}">
@@ -199,10 +189,6 @@
     </p:extLst>
   </p:cmAuthor>
 </p:cmAuthorLst>
-</file>
-
-<file path=ppt/revisionInfo.xml><?xml version="1.0" encoding="utf-8"?>
-<p1510:revInfo xmlns:a="http://schemas.openxmlformats.org/drawingml/2006/main" xmlns:r="http://schemas.openxmlformats.org/officeDocument/2006/relationships" xmlns:p1510="http://schemas.microsoft.com/office/powerpoint/2015/10/main"/>
 </file>
 
 <file path=ppt/handoutMasters/handoutMaster1.xml><?xml version="1.0" encoding="utf-8"?>
@@ -294,7 +280,7 @@
               <a:rPr lang="en-US" smtClean="0">
                 <a:latin typeface="Segoe UI" pitchFamily="34" charset="0"/>
               </a:rPr>
-              <a:t>9/23/2017 2:49 AM</a:t>
+              <a:t>5/20/2019 11:53 AM</a:t>
             </a:fld>
             <a:endParaRPr lang="en-US" dirty="0">
               <a:latin typeface="Segoe UI" pitchFamily="34" charset="0"/>
@@ -575,7 +561,7 @@
           <a:p>
             <a:fld id="{38EEC551-8CDA-4EB6-89BB-2A86C9F091C8}" type="datetime8">
               <a:rPr lang="en-US" smtClean="0"/>
-              <a:t>9/23/2017 2:47 AM</a:t>
+              <a:t>5/20/2019 11:46 AM</a:t>
             </a:fld>
             <a:endParaRPr lang="en-US" dirty="0"/>
           </a:p>
@@ -962,7 +948,7 @@
           <a:p>
             <a:fld id="{38EEC551-8CDA-4EB6-89BB-2A86C9F091C8}" type="datetime8">
               <a:rPr lang="en-US" smtClean="0"/>
-              <a:t>9/23/2017 2:47 AM</a:t>
+              <a:t>5/20/2019 11:46 AM</a:t>
             </a:fld>
             <a:endParaRPr lang="en-US" dirty="0"/>
           </a:p>
@@ -1006,191 +992,6 @@
 </file>
 
 <file path=ppt/notesSlides/notesSlide10.xml><?xml version="1.0" encoding="utf-8"?>
-<p:notes xmlns:a="http://schemas.openxmlformats.org/drawingml/2006/main" xmlns:r="http://schemas.openxmlformats.org/officeDocument/2006/relationships" xmlns:p="http://schemas.openxmlformats.org/presentationml/2006/main">
-  <p:cSld>
-    <p:spTree>
-      <p:nvGrpSpPr>
-        <p:cNvPr id="1" name=""/>
-        <p:cNvGrpSpPr/>
-        <p:nvPr/>
-      </p:nvGrpSpPr>
-      <p:grpSpPr>
-        <a:xfrm>
-          <a:off x="0" y="0"/>
-          <a:ext cx="0" cy="0"/>
-          <a:chOff x="0" y="0"/>
-          <a:chExt cx="0" cy="0"/>
-        </a:xfrm>
-      </p:grpSpPr>
-      <p:sp>
-        <p:nvSpPr>
-          <p:cNvPr id="2" name="Slide Image Placeholder 1"/>
-          <p:cNvSpPr>
-            <a:spLocks noGrp="1" noRot="1" noChangeAspect="1"/>
-          </p:cNvSpPr>
-          <p:nvPr>
-            <p:ph type="sldImg"/>
-          </p:nvPr>
-        </p:nvSpPr>
-        <p:spPr/>
-      </p:sp>
-      <p:sp>
-        <p:nvSpPr>
-          <p:cNvPr id="3" name="Notes Placeholder 2"/>
-          <p:cNvSpPr>
-            <a:spLocks noGrp="1"/>
-          </p:cNvSpPr>
-          <p:nvPr>
-            <p:ph type="body" idx="1"/>
-          </p:nvPr>
-        </p:nvSpPr>
-        <p:spPr/>
-        <p:txBody>
-          <a:bodyPr/>
-          <a:lstStyle/>
-          <a:p>
-            <a:endParaRPr lang="en-US" dirty="0"/>
-          </a:p>
-        </p:txBody>
-      </p:sp>
-      <p:sp>
-        <p:nvSpPr>
-          <p:cNvPr id="4" name="Header Placeholder 3"/>
-          <p:cNvSpPr>
-            <a:spLocks noGrp="1"/>
-          </p:cNvSpPr>
-          <p:nvPr>
-            <p:ph type="hdr" sz="quarter" idx="10"/>
-          </p:nvPr>
-        </p:nvSpPr>
-        <p:spPr/>
-        <p:txBody>
-          <a:bodyPr/>
-          <a:lstStyle/>
-          <a:p>
-            <a:r>
-              <a:rPr lang="en-US"/>
-              <a:t>Microsoft Ignite 2016</a:t>
-            </a:r>
-            <a:endParaRPr lang="en-US" dirty="0"/>
-          </a:p>
-        </p:txBody>
-      </p:sp>
-      <p:sp>
-        <p:nvSpPr>
-          <p:cNvPr id="5" name="Footer Placeholder 4"/>
-          <p:cNvSpPr>
-            <a:spLocks noGrp="1"/>
-          </p:cNvSpPr>
-          <p:nvPr>
-            <p:ph type="ftr" sz="quarter" idx="11"/>
-          </p:nvPr>
-        </p:nvSpPr>
-        <p:spPr/>
-        <p:txBody>
-          <a:bodyPr/>
-          <a:lstStyle/>
-          <a:p>
-            <a:pPr defTabSz="914099" eaLnBrk="0" hangingPunct="0"/>
-            <a:r>
-              <a:rPr lang="en-US" sz="400">
-                <a:gradFill>
-                  <a:gsLst>
-                    <a:gs pos="0">
-                      <a:prstClr val="black"/>
-                    </a:gs>
-                    <a:gs pos="100000">
-                      <a:prstClr val="black"/>
-                    </a:gs>
-                  </a:gsLst>
-                  <a:lin ang="5400000" scaled="0"/>
-                </a:gradFill>
-                <a:latin typeface="Segoe UI" pitchFamily="34" charset="0"/>
-                <a:ea typeface="Segoe UI" pitchFamily="34" charset="0"/>
-                <a:cs typeface="Segoe UI" pitchFamily="34" charset="0"/>
-              </a:rPr>
-              <a:t>© 2016 Microsoft Corporation. All rights reserved. MICROSOFT MAKES NO WARRANTIES, EXPRESS, IMPLIED OR STATUTORY, AS TO THE INFORMATION IN THIS PRESENTATION.</a:t>
-            </a:r>
-            <a:endParaRPr lang="en-US" sz="400" dirty="0">
-              <a:gradFill>
-                <a:gsLst>
-                  <a:gs pos="0">
-                    <a:prstClr val="black"/>
-                  </a:gs>
-                  <a:gs pos="100000">
-                    <a:prstClr val="black"/>
-                  </a:gs>
-                </a:gsLst>
-                <a:lin ang="5400000" scaled="0"/>
-              </a:gradFill>
-              <a:latin typeface="Segoe UI" pitchFamily="34" charset="0"/>
-              <a:ea typeface="Segoe UI" pitchFamily="34" charset="0"/>
-              <a:cs typeface="Segoe UI" pitchFamily="34" charset="0"/>
-            </a:endParaRPr>
-          </a:p>
-        </p:txBody>
-      </p:sp>
-      <p:sp>
-        <p:nvSpPr>
-          <p:cNvPr id="6" name="Date Placeholder 5"/>
-          <p:cNvSpPr>
-            <a:spLocks noGrp="1"/>
-          </p:cNvSpPr>
-          <p:nvPr>
-            <p:ph type="dt" idx="12"/>
-          </p:nvPr>
-        </p:nvSpPr>
-        <p:spPr/>
-        <p:txBody>
-          <a:bodyPr/>
-          <a:lstStyle/>
-          <a:p>
-            <a:fld id="{38EEC551-8CDA-4EB6-89BB-2A86C9F091C8}" type="datetime8">
-              <a:rPr lang="en-US" smtClean="0"/>
-              <a:t>9/23/2017 2:47 AM</a:t>
-            </a:fld>
-            <a:endParaRPr lang="en-US" dirty="0"/>
-          </a:p>
-        </p:txBody>
-      </p:sp>
-      <p:sp>
-        <p:nvSpPr>
-          <p:cNvPr id="7" name="Slide Number Placeholder 6"/>
-          <p:cNvSpPr>
-            <a:spLocks noGrp="1"/>
-          </p:cNvSpPr>
-          <p:nvPr>
-            <p:ph type="sldNum" sz="quarter" idx="13"/>
-          </p:nvPr>
-        </p:nvSpPr>
-        <p:spPr/>
-        <p:txBody>
-          <a:bodyPr/>
-          <a:lstStyle/>
-          <a:p>
-            <a:fld id="{B4008EB6-D09E-4580-8CD6-DDB14511944F}" type="slidenum">
-              <a:rPr lang="en-US" smtClean="0"/>
-              <a:pPr/>
-              <a:t>10</a:t>
-            </a:fld>
-            <a:endParaRPr lang="en-US" dirty="0"/>
-          </a:p>
-        </p:txBody>
-      </p:sp>
-    </p:spTree>
-    <p:extLst>
-      <p:ext uri="{BB962C8B-B14F-4D97-AF65-F5344CB8AC3E}">
-        <p14:creationId xmlns:p14="http://schemas.microsoft.com/office/powerpoint/2010/main" val="1094108496"/>
-      </p:ext>
-    </p:extLst>
-  </p:cSld>
-  <p:clrMapOvr>
-    <a:masterClrMapping/>
-  </p:clrMapOvr>
-</p:notes>
-</file>
-
-<file path=ppt/notesSlides/notesSlide11.xml><?xml version="1.0" encoding="utf-8"?>
 <p:notes xmlns:a="http://schemas.openxmlformats.org/drawingml/2006/main" xmlns:r="http://schemas.openxmlformats.org/officeDocument/2006/relationships" xmlns:p="http://schemas.openxmlformats.org/presentationml/2006/main">
   <p:cSld>
     <p:spTree>
@@ -1450,7 +1251,7 @@
                 <a:tabLst/>
                 <a:defRPr/>
               </a:pPr>
-              <a:t>9/23/2017 2:47 AM</a:t>
+              <a:t>5/20/2019 11:46 AM</a:t>
             </a:fld>
             <a:endParaRPr kumimoji="0" lang="en-US" sz="1200" b="0" i="0" u="none" strike="noStrike" kern="1200" cap="none" spc="0" normalizeH="0" baseline="0" noProof="0" dirty="0">
               <a:ln>
@@ -1533,7 +1334,7 @@
                 <a:tabLst/>
                 <a:defRPr/>
               </a:pPr>
-              <a:t>11</a:t>
+              <a:t>10</a:t>
             </a:fld>
             <a:endParaRPr kumimoji="0" lang="en-US" sz="1200" b="0" i="0" u="none" strike="noStrike" kern="1200" cap="none" spc="0" normalizeH="0" baseline="0" noProof="0" dirty="0">
               <a:ln>
@@ -1556,6 +1357,191 @@
     <p:extLst>
       <p:ext uri="{BB962C8B-B14F-4D97-AF65-F5344CB8AC3E}">
         <p14:creationId xmlns:p14="http://schemas.microsoft.com/office/powerpoint/2010/main" val="796332771"/>
+      </p:ext>
+    </p:extLst>
+  </p:cSld>
+  <p:clrMapOvr>
+    <a:masterClrMapping/>
+  </p:clrMapOvr>
+</p:notes>
+</file>
+
+<file path=ppt/notesSlides/notesSlide11.xml><?xml version="1.0" encoding="utf-8"?>
+<p:notes xmlns:a="http://schemas.openxmlformats.org/drawingml/2006/main" xmlns:r="http://schemas.openxmlformats.org/officeDocument/2006/relationships" xmlns:p="http://schemas.openxmlformats.org/presentationml/2006/main">
+  <p:cSld>
+    <p:spTree>
+      <p:nvGrpSpPr>
+        <p:cNvPr id="1" name=""/>
+        <p:cNvGrpSpPr/>
+        <p:nvPr/>
+      </p:nvGrpSpPr>
+      <p:grpSpPr>
+        <a:xfrm>
+          <a:off x="0" y="0"/>
+          <a:ext cx="0" cy="0"/>
+          <a:chOff x="0" y="0"/>
+          <a:chExt cx="0" cy="0"/>
+        </a:xfrm>
+      </p:grpSpPr>
+      <p:sp>
+        <p:nvSpPr>
+          <p:cNvPr id="2" name="Slide Image Placeholder 1"/>
+          <p:cNvSpPr>
+            <a:spLocks noGrp="1" noRot="1" noChangeAspect="1"/>
+          </p:cNvSpPr>
+          <p:nvPr>
+            <p:ph type="sldImg"/>
+          </p:nvPr>
+        </p:nvSpPr>
+        <p:spPr/>
+      </p:sp>
+      <p:sp>
+        <p:nvSpPr>
+          <p:cNvPr id="3" name="Notes Placeholder 2"/>
+          <p:cNvSpPr>
+            <a:spLocks noGrp="1"/>
+          </p:cNvSpPr>
+          <p:nvPr>
+            <p:ph type="body" idx="1"/>
+          </p:nvPr>
+        </p:nvSpPr>
+        <p:spPr/>
+        <p:txBody>
+          <a:bodyPr/>
+          <a:lstStyle/>
+          <a:p>
+            <a:endParaRPr lang="en-US"/>
+          </a:p>
+        </p:txBody>
+      </p:sp>
+      <p:sp>
+        <p:nvSpPr>
+          <p:cNvPr id="4" name="Header Placeholder 3"/>
+          <p:cNvSpPr>
+            <a:spLocks noGrp="1"/>
+          </p:cNvSpPr>
+          <p:nvPr>
+            <p:ph type="hdr" sz="quarter" idx="10"/>
+          </p:nvPr>
+        </p:nvSpPr>
+        <p:spPr/>
+        <p:txBody>
+          <a:bodyPr/>
+          <a:lstStyle/>
+          <a:p>
+            <a:r>
+              <a:rPr lang="en-US"/>
+              <a:t>Microsoft Ignite 2016</a:t>
+            </a:r>
+            <a:endParaRPr lang="en-US" dirty="0"/>
+          </a:p>
+        </p:txBody>
+      </p:sp>
+      <p:sp>
+        <p:nvSpPr>
+          <p:cNvPr id="5" name="Footer Placeholder 4"/>
+          <p:cNvSpPr>
+            <a:spLocks noGrp="1"/>
+          </p:cNvSpPr>
+          <p:nvPr>
+            <p:ph type="ftr" sz="quarter" idx="11"/>
+          </p:nvPr>
+        </p:nvSpPr>
+        <p:spPr/>
+        <p:txBody>
+          <a:bodyPr/>
+          <a:lstStyle/>
+          <a:p>
+            <a:pPr defTabSz="914099" eaLnBrk="0" hangingPunct="0"/>
+            <a:r>
+              <a:rPr lang="en-US" sz="400">
+                <a:gradFill>
+                  <a:gsLst>
+                    <a:gs pos="0">
+                      <a:prstClr val="black"/>
+                    </a:gs>
+                    <a:gs pos="100000">
+                      <a:prstClr val="black"/>
+                    </a:gs>
+                  </a:gsLst>
+                  <a:lin ang="5400000" scaled="0"/>
+                </a:gradFill>
+                <a:latin typeface="Segoe UI" pitchFamily="34" charset="0"/>
+                <a:ea typeface="Segoe UI" pitchFamily="34" charset="0"/>
+                <a:cs typeface="Segoe UI" pitchFamily="34" charset="0"/>
+              </a:rPr>
+              <a:t>© 2016 Microsoft Corporation. All rights reserved. MICROSOFT MAKES NO WARRANTIES, EXPRESS, IMPLIED OR STATUTORY, AS TO THE INFORMATION IN THIS PRESENTATION.</a:t>
+            </a:r>
+            <a:endParaRPr lang="en-US" sz="400" dirty="0">
+              <a:gradFill>
+                <a:gsLst>
+                  <a:gs pos="0">
+                    <a:prstClr val="black"/>
+                  </a:gs>
+                  <a:gs pos="100000">
+                    <a:prstClr val="black"/>
+                  </a:gs>
+                </a:gsLst>
+                <a:lin ang="5400000" scaled="0"/>
+              </a:gradFill>
+              <a:latin typeface="Segoe UI" pitchFamily="34" charset="0"/>
+              <a:ea typeface="Segoe UI" pitchFamily="34" charset="0"/>
+              <a:cs typeface="Segoe UI" pitchFamily="34" charset="0"/>
+            </a:endParaRPr>
+          </a:p>
+        </p:txBody>
+      </p:sp>
+      <p:sp>
+        <p:nvSpPr>
+          <p:cNvPr id="6" name="Date Placeholder 5"/>
+          <p:cNvSpPr>
+            <a:spLocks noGrp="1"/>
+          </p:cNvSpPr>
+          <p:nvPr>
+            <p:ph type="dt" idx="12"/>
+          </p:nvPr>
+        </p:nvSpPr>
+        <p:spPr/>
+        <p:txBody>
+          <a:bodyPr/>
+          <a:lstStyle/>
+          <a:p>
+            <a:fld id="{38EEC551-8CDA-4EB6-89BB-2A86C9F091C8}" type="datetime8">
+              <a:rPr lang="en-US" smtClean="0"/>
+              <a:t>5/20/2019 11:46 AM</a:t>
+            </a:fld>
+            <a:endParaRPr lang="en-US" dirty="0"/>
+          </a:p>
+        </p:txBody>
+      </p:sp>
+      <p:sp>
+        <p:nvSpPr>
+          <p:cNvPr id="7" name="Slide Number Placeholder 6"/>
+          <p:cNvSpPr>
+            <a:spLocks noGrp="1"/>
+          </p:cNvSpPr>
+          <p:nvPr>
+            <p:ph type="sldNum" sz="quarter" idx="13"/>
+          </p:nvPr>
+        </p:nvSpPr>
+        <p:spPr/>
+        <p:txBody>
+          <a:bodyPr/>
+          <a:lstStyle/>
+          <a:p>
+            <a:fld id="{B4008EB6-D09E-4580-8CD6-DDB14511944F}" type="slidenum">
+              <a:rPr lang="en-US" smtClean="0"/>
+              <a:pPr/>
+              <a:t>11</a:t>
+            </a:fld>
+            <a:endParaRPr lang="en-US" dirty="0"/>
+          </a:p>
+        </p:txBody>
+      </p:sp>
+    </p:spTree>
+    <p:extLst>
+      <p:ext uri="{BB962C8B-B14F-4D97-AF65-F5344CB8AC3E}">
+        <p14:creationId xmlns:p14="http://schemas.microsoft.com/office/powerpoint/2010/main" val="2061361662"/>
       </p:ext>
     </p:extLst>
   </p:cSld>
@@ -1609,7 +1595,10 @@
           <a:bodyPr/>
           <a:lstStyle/>
           <a:p>
-            <a:endParaRPr lang="en-US"/>
+            <a:r>
+              <a:rPr lang="en-US" dirty="0"/>
+              <a:t>https://blogs.msdn.microsoft.com/stevelasker/2016/09/29/building-optimized-docker-images-with-asp-net-core/</a:t>
+            </a:r>
           </a:p>
         </p:txBody>
       </p:sp>
@@ -1707,7 +1696,7 @@
           <a:p>
             <a:fld id="{38EEC551-8CDA-4EB6-89BB-2A86C9F091C8}" type="datetime8">
               <a:rPr lang="en-US" smtClean="0"/>
-              <a:t>9/23/2017 2:47 AM</a:t>
+              <a:t>5/20/2019 12:32 PM</a:t>
             </a:fld>
             <a:endParaRPr lang="en-US" dirty="0"/>
           </a:p>
@@ -1740,7 +1729,7 @@
     </p:spTree>
     <p:extLst>
       <p:ext uri="{BB962C8B-B14F-4D97-AF65-F5344CB8AC3E}">
-        <p14:creationId xmlns:p14="http://schemas.microsoft.com/office/powerpoint/2010/main" val="2061361662"/>
+        <p14:creationId xmlns:p14="http://schemas.microsoft.com/office/powerpoint/2010/main" val="2320041807"/>
       </p:ext>
     </p:extLst>
   </p:cSld>
@@ -1895,7 +1884,7 @@
           <a:p>
             <a:fld id="{38EEC551-8CDA-4EB6-89BB-2A86C9F091C8}" type="datetime8">
               <a:rPr lang="en-US" smtClean="0"/>
-              <a:t>9/23/2017 2:47 AM</a:t>
+              <a:t>5/20/2019 12:39 PM</a:t>
             </a:fld>
             <a:endParaRPr lang="en-US" dirty="0"/>
           </a:p>
@@ -1928,7 +1917,7 @@
     </p:spTree>
     <p:extLst>
       <p:ext uri="{BB962C8B-B14F-4D97-AF65-F5344CB8AC3E}">
-        <p14:creationId xmlns:p14="http://schemas.microsoft.com/office/powerpoint/2010/main" val="2320041807"/>
+        <p14:creationId xmlns:p14="http://schemas.microsoft.com/office/powerpoint/2010/main" val="2885729234"/>
       </p:ext>
     </p:extLst>
   </p:cSld>
@@ -1983,18 +1972,12 @@
           <a:lstStyle/>
           <a:p>
             <a:r>
-              <a:rPr lang="en-US" dirty="0"/>
-              <a:t>Follow these steps: https://www.microsoft.com/net/core#dockercmd</a:t>
-            </a:r>
-          </a:p>
-          <a:p>
+              <a:rPr lang="en-US" dirty="0">
+                <a:hlinkClick r:id="rId3"/>
+              </a:rPr>
+              <a:t>https://hub.docker.com/_/microsoft-dotnet-core-samples/</a:t>
+            </a:r>
             <a:endParaRPr lang="en-US" dirty="0"/>
-          </a:p>
-          <a:p>
-            <a:r>
-              <a:rPr lang="en-US" dirty="0"/>
-              <a:t>Screenshots in following 3 slides</a:t>
-            </a:r>
           </a:p>
         </p:txBody>
       </p:sp>
@@ -2092,7 +2075,7 @@
           <a:p>
             <a:fld id="{38EEC551-8CDA-4EB6-89BB-2A86C9F091C8}" type="datetime8">
               <a:rPr lang="en-US" smtClean="0"/>
-              <a:t>9/23/2017 2:47 AM</a:t>
+              <a:t>5/20/2019 12:43 PM</a:t>
             </a:fld>
             <a:endParaRPr lang="en-US" dirty="0"/>
           </a:p>
@@ -2179,7 +2162,18 @@
           <a:bodyPr/>
           <a:lstStyle/>
           <a:p>
-            <a:endParaRPr lang="en-US"/>
+            <a:r>
+              <a:rPr lang="en-US" dirty="0"/>
+              <a:t>For this demo, just create a new ASP.NET Core web application with Docker support. Show the included </a:t>
+            </a:r>
+            <a:r>
+              <a:rPr lang="en-US" dirty="0" err="1"/>
+              <a:t>dockerfile</a:t>
+            </a:r>
+            <a:r>
+              <a:rPr lang="en-US" dirty="0"/>
+              <a:t> and docker-compose setup. If desired, run the application under Docker.</a:t>
+            </a:r>
           </a:p>
         </p:txBody>
       </p:sp>
@@ -2277,7 +2271,7 @@
           <a:p>
             <a:fld id="{38EEC551-8CDA-4EB6-89BB-2A86C9F091C8}" type="datetime8">
               <a:rPr lang="en-US" smtClean="0"/>
-              <a:t>9/23/2017 2:47 AM</a:t>
+              <a:t>5/20/2019 11:46 AM</a:t>
             </a:fld>
             <a:endParaRPr lang="en-US" dirty="0"/>
           </a:p>
@@ -2310,7 +2304,7 @@
     </p:spTree>
     <p:extLst>
       <p:ext uri="{BB962C8B-B14F-4D97-AF65-F5344CB8AC3E}">
-        <p14:creationId xmlns:p14="http://schemas.microsoft.com/office/powerpoint/2010/main" val="222681613"/>
+        <p14:creationId xmlns:p14="http://schemas.microsoft.com/office/powerpoint/2010/main" val="3527624232"/>
       </p:ext>
     </p:extLst>
   </p:cSld>
@@ -2364,7 +2358,7 @@
           <a:bodyPr/>
           <a:lstStyle/>
           <a:p>
-            <a:endParaRPr lang="en-US"/>
+            <a:endParaRPr lang="en-US" dirty="0"/>
           </a:p>
         </p:txBody>
       </p:sp>
@@ -2462,7 +2456,7 @@
           <a:p>
             <a:fld id="{38EEC551-8CDA-4EB6-89BB-2A86C9F091C8}" type="datetime8">
               <a:rPr lang="en-US" smtClean="0"/>
-              <a:t>9/23/2017 2:47 AM</a:t>
+              <a:t>5/20/2019 11:46 AM</a:t>
             </a:fld>
             <a:endParaRPr lang="en-US" dirty="0"/>
           </a:p>
@@ -2487,572 +2481,6 @@
               <a:rPr lang="en-US" smtClean="0"/>
               <a:pPr/>
               <a:t>16</a:t>
-            </a:fld>
-            <a:endParaRPr lang="en-US" dirty="0"/>
-          </a:p>
-        </p:txBody>
-      </p:sp>
-    </p:spTree>
-    <p:extLst>
-      <p:ext uri="{BB962C8B-B14F-4D97-AF65-F5344CB8AC3E}">
-        <p14:creationId xmlns:p14="http://schemas.microsoft.com/office/powerpoint/2010/main" val="2436858893"/>
-      </p:ext>
-    </p:extLst>
-  </p:cSld>
-  <p:clrMapOvr>
-    <a:masterClrMapping/>
-  </p:clrMapOvr>
-</p:notes>
-</file>
-
-<file path=ppt/notesSlides/notesSlide17.xml><?xml version="1.0" encoding="utf-8"?>
-<p:notes xmlns:a="http://schemas.openxmlformats.org/drawingml/2006/main" xmlns:r="http://schemas.openxmlformats.org/officeDocument/2006/relationships" xmlns:p="http://schemas.openxmlformats.org/presentationml/2006/main">
-  <p:cSld>
-    <p:spTree>
-      <p:nvGrpSpPr>
-        <p:cNvPr id="1" name=""/>
-        <p:cNvGrpSpPr/>
-        <p:nvPr/>
-      </p:nvGrpSpPr>
-      <p:grpSpPr>
-        <a:xfrm>
-          <a:off x="0" y="0"/>
-          <a:ext cx="0" cy="0"/>
-          <a:chOff x="0" y="0"/>
-          <a:chExt cx="0" cy="0"/>
-        </a:xfrm>
-      </p:grpSpPr>
-      <p:sp>
-        <p:nvSpPr>
-          <p:cNvPr id="2" name="Slide Image Placeholder 1"/>
-          <p:cNvSpPr>
-            <a:spLocks noGrp="1" noRot="1" noChangeAspect="1"/>
-          </p:cNvSpPr>
-          <p:nvPr>
-            <p:ph type="sldImg"/>
-          </p:nvPr>
-        </p:nvSpPr>
-        <p:spPr/>
-      </p:sp>
-      <p:sp>
-        <p:nvSpPr>
-          <p:cNvPr id="3" name="Notes Placeholder 2"/>
-          <p:cNvSpPr>
-            <a:spLocks noGrp="1"/>
-          </p:cNvSpPr>
-          <p:nvPr>
-            <p:ph type="body" idx="1"/>
-          </p:nvPr>
-        </p:nvSpPr>
-        <p:spPr/>
-        <p:txBody>
-          <a:bodyPr/>
-          <a:lstStyle/>
-          <a:p>
-            <a:endParaRPr lang="en-US"/>
-          </a:p>
-        </p:txBody>
-      </p:sp>
-      <p:sp>
-        <p:nvSpPr>
-          <p:cNvPr id="4" name="Header Placeholder 3"/>
-          <p:cNvSpPr>
-            <a:spLocks noGrp="1"/>
-          </p:cNvSpPr>
-          <p:nvPr>
-            <p:ph type="hdr" sz="quarter" idx="10"/>
-          </p:nvPr>
-        </p:nvSpPr>
-        <p:spPr/>
-        <p:txBody>
-          <a:bodyPr/>
-          <a:lstStyle/>
-          <a:p>
-            <a:r>
-              <a:rPr lang="en-US"/>
-              <a:t>Microsoft Ignite 2016</a:t>
-            </a:r>
-            <a:endParaRPr lang="en-US" dirty="0"/>
-          </a:p>
-        </p:txBody>
-      </p:sp>
-      <p:sp>
-        <p:nvSpPr>
-          <p:cNvPr id="5" name="Footer Placeholder 4"/>
-          <p:cNvSpPr>
-            <a:spLocks noGrp="1"/>
-          </p:cNvSpPr>
-          <p:nvPr>
-            <p:ph type="ftr" sz="quarter" idx="11"/>
-          </p:nvPr>
-        </p:nvSpPr>
-        <p:spPr/>
-        <p:txBody>
-          <a:bodyPr/>
-          <a:lstStyle/>
-          <a:p>
-            <a:pPr defTabSz="914099" eaLnBrk="0" hangingPunct="0"/>
-            <a:r>
-              <a:rPr lang="en-US" sz="400">
-                <a:gradFill>
-                  <a:gsLst>
-                    <a:gs pos="0">
-                      <a:prstClr val="black"/>
-                    </a:gs>
-                    <a:gs pos="100000">
-                      <a:prstClr val="black"/>
-                    </a:gs>
-                  </a:gsLst>
-                  <a:lin ang="5400000" scaled="0"/>
-                </a:gradFill>
-                <a:latin typeface="Segoe UI" pitchFamily="34" charset="0"/>
-                <a:ea typeface="Segoe UI" pitchFamily="34" charset="0"/>
-                <a:cs typeface="Segoe UI" pitchFamily="34" charset="0"/>
-              </a:rPr>
-              <a:t>© 2016 Microsoft Corporation. All rights reserved. MICROSOFT MAKES NO WARRANTIES, EXPRESS, IMPLIED OR STATUTORY, AS TO THE INFORMATION IN THIS PRESENTATION.</a:t>
-            </a:r>
-            <a:endParaRPr lang="en-US" sz="400" dirty="0">
-              <a:gradFill>
-                <a:gsLst>
-                  <a:gs pos="0">
-                    <a:prstClr val="black"/>
-                  </a:gs>
-                  <a:gs pos="100000">
-                    <a:prstClr val="black"/>
-                  </a:gs>
-                </a:gsLst>
-                <a:lin ang="5400000" scaled="0"/>
-              </a:gradFill>
-              <a:latin typeface="Segoe UI" pitchFamily="34" charset="0"/>
-              <a:ea typeface="Segoe UI" pitchFamily="34" charset="0"/>
-              <a:cs typeface="Segoe UI" pitchFamily="34" charset="0"/>
-            </a:endParaRPr>
-          </a:p>
-        </p:txBody>
-      </p:sp>
-      <p:sp>
-        <p:nvSpPr>
-          <p:cNvPr id="6" name="Date Placeholder 5"/>
-          <p:cNvSpPr>
-            <a:spLocks noGrp="1"/>
-          </p:cNvSpPr>
-          <p:nvPr>
-            <p:ph type="dt" idx="12"/>
-          </p:nvPr>
-        </p:nvSpPr>
-        <p:spPr/>
-        <p:txBody>
-          <a:bodyPr/>
-          <a:lstStyle/>
-          <a:p>
-            <a:fld id="{38EEC551-8CDA-4EB6-89BB-2A86C9F091C8}" type="datetime8">
-              <a:rPr lang="en-US" smtClean="0"/>
-              <a:t>9/23/2017 2:47 AM</a:t>
-            </a:fld>
-            <a:endParaRPr lang="en-US" dirty="0"/>
-          </a:p>
-        </p:txBody>
-      </p:sp>
-      <p:sp>
-        <p:nvSpPr>
-          <p:cNvPr id="7" name="Slide Number Placeholder 6"/>
-          <p:cNvSpPr>
-            <a:spLocks noGrp="1"/>
-          </p:cNvSpPr>
-          <p:nvPr>
-            <p:ph type="sldNum" sz="quarter" idx="13"/>
-          </p:nvPr>
-        </p:nvSpPr>
-        <p:spPr/>
-        <p:txBody>
-          <a:bodyPr/>
-          <a:lstStyle/>
-          <a:p>
-            <a:fld id="{B4008EB6-D09E-4580-8CD6-DDB14511944F}" type="slidenum">
-              <a:rPr lang="en-US" smtClean="0"/>
-              <a:pPr/>
-              <a:t>17</a:t>
-            </a:fld>
-            <a:endParaRPr lang="en-US" dirty="0"/>
-          </a:p>
-        </p:txBody>
-      </p:sp>
-    </p:spTree>
-    <p:extLst>
-      <p:ext uri="{BB962C8B-B14F-4D97-AF65-F5344CB8AC3E}">
-        <p14:creationId xmlns:p14="http://schemas.microsoft.com/office/powerpoint/2010/main" val="2877463372"/>
-      </p:ext>
-    </p:extLst>
-  </p:cSld>
-  <p:clrMapOvr>
-    <a:masterClrMapping/>
-  </p:clrMapOvr>
-</p:notes>
-</file>
-
-<file path=ppt/notesSlides/notesSlide18.xml><?xml version="1.0" encoding="utf-8"?>
-<p:notes xmlns:a="http://schemas.openxmlformats.org/drawingml/2006/main" xmlns:r="http://schemas.openxmlformats.org/officeDocument/2006/relationships" xmlns:p="http://schemas.openxmlformats.org/presentationml/2006/main">
-  <p:cSld>
-    <p:spTree>
-      <p:nvGrpSpPr>
-        <p:cNvPr id="1" name=""/>
-        <p:cNvGrpSpPr/>
-        <p:nvPr/>
-      </p:nvGrpSpPr>
-      <p:grpSpPr>
-        <a:xfrm>
-          <a:off x="0" y="0"/>
-          <a:ext cx="0" cy="0"/>
-          <a:chOff x="0" y="0"/>
-          <a:chExt cx="0" cy="0"/>
-        </a:xfrm>
-      </p:grpSpPr>
-      <p:sp>
-        <p:nvSpPr>
-          <p:cNvPr id="2" name="Slide Image Placeholder 1"/>
-          <p:cNvSpPr>
-            <a:spLocks noGrp="1" noRot="1" noChangeAspect="1"/>
-          </p:cNvSpPr>
-          <p:nvPr>
-            <p:ph type="sldImg"/>
-          </p:nvPr>
-        </p:nvSpPr>
-        <p:spPr/>
-      </p:sp>
-      <p:sp>
-        <p:nvSpPr>
-          <p:cNvPr id="3" name="Notes Placeholder 2"/>
-          <p:cNvSpPr>
-            <a:spLocks noGrp="1"/>
-          </p:cNvSpPr>
-          <p:nvPr>
-            <p:ph type="body" idx="1"/>
-          </p:nvPr>
-        </p:nvSpPr>
-        <p:spPr/>
-        <p:txBody>
-          <a:bodyPr/>
-          <a:lstStyle/>
-          <a:p>
-            <a:r>
-              <a:rPr lang="en-US" dirty="0"/>
-              <a:t>For this demo, just create a new ASP.NET Core web application with Docker support. Show the included </a:t>
-            </a:r>
-            <a:r>
-              <a:rPr lang="en-US" dirty="0" err="1"/>
-              <a:t>dockerfile</a:t>
-            </a:r>
-            <a:r>
-              <a:rPr lang="en-US" dirty="0"/>
-              <a:t> and docker-compose setup. If desired, run the application under Docker.</a:t>
-            </a:r>
-          </a:p>
-        </p:txBody>
-      </p:sp>
-      <p:sp>
-        <p:nvSpPr>
-          <p:cNvPr id="4" name="Header Placeholder 3"/>
-          <p:cNvSpPr>
-            <a:spLocks noGrp="1"/>
-          </p:cNvSpPr>
-          <p:nvPr>
-            <p:ph type="hdr" sz="quarter" idx="10"/>
-          </p:nvPr>
-        </p:nvSpPr>
-        <p:spPr/>
-        <p:txBody>
-          <a:bodyPr/>
-          <a:lstStyle/>
-          <a:p>
-            <a:r>
-              <a:rPr lang="en-US"/>
-              <a:t>Microsoft Ignite 2016</a:t>
-            </a:r>
-            <a:endParaRPr lang="en-US" dirty="0"/>
-          </a:p>
-        </p:txBody>
-      </p:sp>
-      <p:sp>
-        <p:nvSpPr>
-          <p:cNvPr id="5" name="Footer Placeholder 4"/>
-          <p:cNvSpPr>
-            <a:spLocks noGrp="1"/>
-          </p:cNvSpPr>
-          <p:nvPr>
-            <p:ph type="ftr" sz="quarter" idx="11"/>
-          </p:nvPr>
-        </p:nvSpPr>
-        <p:spPr/>
-        <p:txBody>
-          <a:bodyPr/>
-          <a:lstStyle/>
-          <a:p>
-            <a:pPr defTabSz="914099" eaLnBrk="0" hangingPunct="0"/>
-            <a:r>
-              <a:rPr lang="en-US" sz="400">
-                <a:gradFill>
-                  <a:gsLst>
-                    <a:gs pos="0">
-                      <a:prstClr val="black"/>
-                    </a:gs>
-                    <a:gs pos="100000">
-                      <a:prstClr val="black"/>
-                    </a:gs>
-                  </a:gsLst>
-                  <a:lin ang="5400000" scaled="0"/>
-                </a:gradFill>
-                <a:latin typeface="Segoe UI" pitchFamily="34" charset="0"/>
-                <a:ea typeface="Segoe UI" pitchFamily="34" charset="0"/>
-                <a:cs typeface="Segoe UI" pitchFamily="34" charset="0"/>
-              </a:rPr>
-              <a:t>© 2016 Microsoft Corporation. All rights reserved. MICROSOFT MAKES NO WARRANTIES, EXPRESS, IMPLIED OR STATUTORY, AS TO THE INFORMATION IN THIS PRESENTATION.</a:t>
-            </a:r>
-            <a:endParaRPr lang="en-US" sz="400" dirty="0">
-              <a:gradFill>
-                <a:gsLst>
-                  <a:gs pos="0">
-                    <a:prstClr val="black"/>
-                  </a:gs>
-                  <a:gs pos="100000">
-                    <a:prstClr val="black"/>
-                  </a:gs>
-                </a:gsLst>
-                <a:lin ang="5400000" scaled="0"/>
-              </a:gradFill>
-              <a:latin typeface="Segoe UI" pitchFamily="34" charset="0"/>
-              <a:ea typeface="Segoe UI" pitchFamily="34" charset="0"/>
-              <a:cs typeface="Segoe UI" pitchFamily="34" charset="0"/>
-            </a:endParaRPr>
-          </a:p>
-        </p:txBody>
-      </p:sp>
-      <p:sp>
-        <p:nvSpPr>
-          <p:cNvPr id="6" name="Date Placeholder 5"/>
-          <p:cNvSpPr>
-            <a:spLocks noGrp="1"/>
-          </p:cNvSpPr>
-          <p:nvPr>
-            <p:ph type="dt" idx="12"/>
-          </p:nvPr>
-        </p:nvSpPr>
-        <p:spPr/>
-        <p:txBody>
-          <a:bodyPr/>
-          <a:lstStyle/>
-          <a:p>
-            <a:fld id="{38EEC551-8CDA-4EB6-89BB-2A86C9F091C8}" type="datetime8">
-              <a:rPr lang="en-US" smtClean="0"/>
-              <a:t>9/23/2017 2:47 AM</a:t>
-            </a:fld>
-            <a:endParaRPr lang="en-US" dirty="0"/>
-          </a:p>
-        </p:txBody>
-      </p:sp>
-      <p:sp>
-        <p:nvSpPr>
-          <p:cNvPr id="7" name="Slide Number Placeholder 6"/>
-          <p:cNvSpPr>
-            <a:spLocks noGrp="1"/>
-          </p:cNvSpPr>
-          <p:nvPr>
-            <p:ph type="sldNum" sz="quarter" idx="13"/>
-          </p:nvPr>
-        </p:nvSpPr>
-        <p:spPr/>
-        <p:txBody>
-          <a:bodyPr/>
-          <a:lstStyle/>
-          <a:p>
-            <a:fld id="{B4008EB6-D09E-4580-8CD6-DDB14511944F}" type="slidenum">
-              <a:rPr lang="en-US" smtClean="0"/>
-              <a:pPr/>
-              <a:t>18</a:t>
-            </a:fld>
-            <a:endParaRPr lang="en-US" dirty="0"/>
-          </a:p>
-        </p:txBody>
-      </p:sp>
-    </p:spTree>
-    <p:extLst>
-      <p:ext uri="{BB962C8B-B14F-4D97-AF65-F5344CB8AC3E}">
-        <p14:creationId xmlns:p14="http://schemas.microsoft.com/office/powerpoint/2010/main" val="3527624232"/>
-      </p:ext>
-    </p:extLst>
-  </p:cSld>
-  <p:clrMapOvr>
-    <a:masterClrMapping/>
-  </p:clrMapOvr>
-</p:notes>
-</file>
-
-<file path=ppt/notesSlides/notesSlide19.xml><?xml version="1.0" encoding="utf-8"?>
-<p:notes xmlns:a="http://schemas.openxmlformats.org/drawingml/2006/main" xmlns:r="http://schemas.openxmlformats.org/officeDocument/2006/relationships" xmlns:p="http://schemas.openxmlformats.org/presentationml/2006/main">
-  <p:cSld>
-    <p:spTree>
-      <p:nvGrpSpPr>
-        <p:cNvPr id="1" name=""/>
-        <p:cNvGrpSpPr/>
-        <p:nvPr/>
-      </p:nvGrpSpPr>
-      <p:grpSpPr>
-        <a:xfrm>
-          <a:off x="0" y="0"/>
-          <a:ext cx="0" cy="0"/>
-          <a:chOff x="0" y="0"/>
-          <a:chExt cx="0" cy="0"/>
-        </a:xfrm>
-      </p:grpSpPr>
-      <p:sp>
-        <p:nvSpPr>
-          <p:cNvPr id="2" name="Slide Image Placeholder 1"/>
-          <p:cNvSpPr>
-            <a:spLocks noGrp="1" noRot="1" noChangeAspect="1"/>
-          </p:cNvSpPr>
-          <p:nvPr>
-            <p:ph type="sldImg"/>
-          </p:nvPr>
-        </p:nvSpPr>
-        <p:spPr/>
-      </p:sp>
-      <p:sp>
-        <p:nvSpPr>
-          <p:cNvPr id="3" name="Notes Placeholder 2"/>
-          <p:cNvSpPr>
-            <a:spLocks noGrp="1"/>
-          </p:cNvSpPr>
-          <p:nvPr>
-            <p:ph type="body" idx="1"/>
-          </p:nvPr>
-        </p:nvSpPr>
-        <p:spPr/>
-        <p:txBody>
-          <a:bodyPr/>
-          <a:lstStyle/>
-          <a:p>
-            <a:endParaRPr lang="en-US" dirty="0"/>
-          </a:p>
-        </p:txBody>
-      </p:sp>
-      <p:sp>
-        <p:nvSpPr>
-          <p:cNvPr id="4" name="Header Placeholder 3"/>
-          <p:cNvSpPr>
-            <a:spLocks noGrp="1"/>
-          </p:cNvSpPr>
-          <p:nvPr>
-            <p:ph type="hdr" sz="quarter" idx="10"/>
-          </p:nvPr>
-        </p:nvSpPr>
-        <p:spPr/>
-        <p:txBody>
-          <a:bodyPr/>
-          <a:lstStyle/>
-          <a:p>
-            <a:r>
-              <a:rPr lang="en-US"/>
-              <a:t>Microsoft Ignite 2016</a:t>
-            </a:r>
-            <a:endParaRPr lang="en-US" dirty="0"/>
-          </a:p>
-        </p:txBody>
-      </p:sp>
-      <p:sp>
-        <p:nvSpPr>
-          <p:cNvPr id="5" name="Footer Placeholder 4"/>
-          <p:cNvSpPr>
-            <a:spLocks noGrp="1"/>
-          </p:cNvSpPr>
-          <p:nvPr>
-            <p:ph type="ftr" sz="quarter" idx="11"/>
-          </p:nvPr>
-        </p:nvSpPr>
-        <p:spPr/>
-        <p:txBody>
-          <a:bodyPr/>
-          <a:lstStyle/>
-          <a:p>
-            <a:pPr defTabSz="914099" eaLnBrk="0" hangingPunct="0"/>
-            <a:r>
-              <a:rPr lang="en-US" sz="400">
-                <a:gradFill>
-                  <a:gsLst>
-                    <a:gs pos="0">
-                      <a:prstClr val="black"/>
-                    </a:gs>
-                    <a:gs pos="100000">
-                      <a:prstClr val="black"/>
-                    </a:gs>
-                  </a:gsLst>
-                  <a:lin ang="5400000" scaled="0"/>
-                </a:gradFill>
-                <a:latin typeface="Segoe UI" pitchFamily="34" charset="0"/>
-                <a:ea typeface="Segoe UI" pitchFamily="34" charset="0"/>
-                <a:cs typeface="Segoe UI" pitchFamily="34" charset="0"/>
-              </a:rPr>
-              <a:t>© 2016 Microsoft Corporation. All rights reserved. MICROSOFT MAKES NO WARRANTIES, EXPRESS, IMPLIED OR STATUTORY, AS TO THE INFORMATION IN THIS PRESENTATION.</a:t>
-            </a:r>
-            <a:endParaRPr lang="en-US" sz="400" dirty="0">
-              <a:gradFill>
-                <a:gsLst>
-                  <a:gs pos="0">
-                    <a:prstClr val="black"/>
-                  </a:gs>
-                  <a:gs pos="100000">
-                    <a:prstClr val="black"/>
-                  </a:gs>
-                </a:gsLst>
-                <a:lin ang="5400000" scaled="0"/>
-              </a:gradFill>
-              <a:latin typeface="Segoe UI" pitchFamily="34" charset="0"/>
-              <a:ea typeface="Segoe UI" pitchFamily="34" charset="0"/>
-              <a:cs typeface="Segoe UI" pitchFamily="34" charset="0"/>
-            </a:endParaRPr>
-          </a:p>
-        </p:txBody>
-      </p:sp>
-      <p:sp>
-        <p:nvSpPr>
-          <p:cNvPr id="6" name="Date Placeholder 5"/>
-          <p:cNvSpPr>
-            <a:spLocks noGrp="1"/>
-          </p:cNvSpPr>
-          <p:nvPr>
-            <p:ph type="dt" idx="12"/>
-          </p:nvPr>
-        </p:nvSpPr>
-        <p:spPr/>
-        <p:txBody>
-          <a:bodyPr/>
-          <a:lstStyle/>
-          <a:p>
-            <a:fld id="{38EEC551-8CDA-4EB6-89BB-2A86C9F091C8}" type="datetime8">
-              <a:rPr lang="en-US" smtClean="0"/>
-              <a:t>9/23/2017 2:59 AM</a:t>
-            </a:fld>
-            <a:endParaRPr lang="en-US" dirty="0"/>
-          </a:p>
-        </p:txBody>
-      </p:sp>
-      <p:sp>
-        <p:nvSpPr>
-          <p:cNvPr id="7" name="Slide Number Placeholder 6"/>
-          <p:cNvSpPr>
-            <a:spLocks noGrp="1"/>
-          </p:cNvSpPr>
-          <p:nvPr>
-            <p:ph type="sldNum" sz="quarter" idx="13"/>
-          </p:nvPr>
-        </p:nvSpPr>
-        <p:spPr/>
-        <p:txBody>
-          <a:bodyPr/>
-          <a:lstStyle/>
-          <a:p>
-            <a:fld id="{B4008EB6-D09E-4580-8CD6-DDB14511944F}" type="slidenum">
-              <a:rPr lang="en-US" smtClean="0"/>
-              <a:pPr/>
-              <a:t>19</a:t>
             </a:fld>
             <a:endParaRPr lang="en-US" dirty="0"/>
           </a:p>
@@ -3213,7 +2641,7 @@
           <a:p>
             <a:fld id="{38EEC551-8CDA-4EB6-89BB-2A86C9F091C8}" type="datetime8">
               <a:rPr lang="en-US" smtClean="0"/>
-              <a:t>9/23/2017 2:47 AM</a:t>
+              <a:t>5/20/2019 11:46 AM</a:t>
             </a:fld>
             <a:endParaRPr lang="en-US" dirty="0"/>
           </a:p>
@@ -3546,7 +2974,7 @@
                 <a:tabLst/>
                 <a:defRPr/>
               </a:pPr>
-              <a:t>9/23/2017 2:47 AM</a:t>
+              <a:t>5/20/2019 11:46 AM</a:t>
             </a:fld>
             <a:endParaRPr kumimoji="0" lang="en-US" sz="1200" b="0" i="0" u="none" strike="noStrike" kern="1200" cap="none" spc="0" normalizeH="0" baseline="0" noProof="0" dirty="0">
               <a:ln>
@@ -4346,200 +3774,6 @@
           <a:p>
             <a:r>
               <a:rPr lang="en-US" dirty="0"/>
-              <a:t>The Windows and Docker teams just announced (September 13,2017) preview support for Linux containers on Windows Server</a:t>
-            </a:r>
-          </a:p>
-          <a:p>
-            <a:r>
-              <a:rPr lang="en-US" dirty="0"/>
-              <a:t>https://blog.docker.com/2017/09/preview-linux-containers-on-windows/</a:t>
-            </a:r>
-          </a:p>
-        </p:txBody>
-      </p:sp>
-      <p:sp>
-        <p:nvSpPr>
-          <p:cNvPr id="4" name="Header Placeholder 3"/>
-          <p:cNvSpPr>
-            <a:spLocks noGrp="1"/>
-          </p:cNvSpPr>
-          <p:nvPr>
-            <p:ph type="hdr" sz="quarter" idx="10"/>
-          </p:nvPr>
-        </p:nvSpPr>
-        <p:spPr/>
-        <p:txBody>
-          <a:bodyPr/>
-          <a:lstStyle/>
-          <a:p>
-            <a:r>
-              <a:rPr lang="en-US"/>
-              <a:t>Microsoft Ignite 2016</a:t>
-            </a:r>
-            <a:endParaRPr lang="en-US" dirty="0"/>
-          </a:p>
-        </p:txBody>
-      </p:sp>
-      <p:sp>
-        <p:nvSpPr>
-          <p:cNvPr id="5" name="Footer Placeholder 4"/>
-          <p:cNvSpPr>
-            <a:spLocks noGrp="1"/>
-          </p:cNvSpPr>
-          <p:nvPr>
-            <p:ph type="ftr" sz="quarter" idx="11"/>
-          </p:nvPr>
-        </p:nvSpPr>
-        <p:spPr/>
-        <p:txBody>
-          <a:bodyPr/>
-          <a:lstStyle/>
-          <a:p>
-            <a:pPr defTabSz="914099" eaLnBrk="0" hangingPunct="0"/>
-            <a:r>
-              <a:rPr lang="en-US" sz="400">
-                <a:gradFill>
-                  <a:gsLst>
-                    <a:gs pos="0">
-                      <a:prstClr val="black"/>
-                    </a:gs>
-                    <a:gs pos="100000">
-                      <a:prstClr val="black"/>
-                    </a:gs>
-                  </a:gsLst>
-                  <a:lin ang="5400000" scaled="0"/>
-                </a:gradFill>
-                <a:latin typeface="Segoe UI" pitchFamily="34" charset="0"/>
-                <a:ea typeface="Segoe UI" pitchFamily="34" charset="0"/>
-                <a:cs typeface="Segoe UI" pitchFamily="34" charset="0"/>
-              </a:rPr>
-              <a:t>© 2016 Microsoft Corporation. All rights reserved. MICROSOFT MAKES NO WARRANTIES, EXPRESS, IMPLIED OR STATUTORY, AS TO THE INFORMATION IN THIS PRESENTATION.</a:t>
-            </a:r>
-            <a:endParaRPr lang="en-US" sz="400" dirty="0">
-              <a:gradFill>
-                <a:gsLst>
-                  <a:gs pos="0">
-                    <a:prstClr val="black"/>
-                  </a:gs>
-                  <a:gs pos="100000">
-                    <a:prstClr val="black"/>
-                  </a:gs>
-                </a:gsLst>
-                <a:lin ang="5400000" scaled="0"/>
-              </a:gradFill>
-              <a:latin typeface="Segoe UI" pitchFamily="34" charset="0"/>
-              <a:ea typeface="Segoe UI" pitchFamily="34" charset="0"/>
-              <a:cs typeface="Segoe UI" pitchFamily="34" charset="0"/>
-            </a:endParaRPr>
-          </a:p>
-        </p:txBody>
-      </p:sp>
-      <p:sp>
-        <p:nvSpPr>
-          <p:cNvPr id="6" name="Date Placeholder 5"/>
-          <p:cNvSpPr>
-            <a:spLocks noGrp="1"/>
-          </p:cNvSpPr>
-          <p:nvPr>
-            <p:ph type="dt" idx="12"/>
-          </p:nvPr>
-        </p:nvSpPr>
-        <p:spPr/>
-        <p:txBody>
-          <a:bodyPr/>
-          <a:lstStyle/>
-          <a:p>
-            <a:fld id="{38EEC551-8CDA-4EB6-89BB-2A86C9F091C8}" type="datetime8">
-              <a:rPr lang="en-US" smtClean="0"/>
-              <a:t>9/23/2017 2:47 AM</a:t>
-            </a:fld>
-            <a:endParaRPr lang="en-US" dirty="0"/>
-          </a:p>
-        </p:txBody>
-      </p:sp>
-      <p:sp>
-        <p:nvSpPr>
-          <p:cNvPr id="7" name="Slide Number Placeholder 6"/>
-          <p:cNvSpPr>
-            <a:spLocks noGrp="1"/>
-          </p:cNvSpPr>
-          <p:nvPr>
-            <p:ph type="sldNum" sz="quarter" idx="13"/>
-          </p:nvPr>
-        </p:nvSpPr>
-        <p:spPr/>
-        <p:txBody>
-          <a:bodyPr/>
-          <a:lstStyle/>
-          <a:p>
-            <a:fld id="{B4008EB6-D09E-4580-8CD6-DDB14511944F}" type="slidenum">
-              <a:rPr lang="en-US" smtClean="0"/>
-              <a:pPr/>
-              <a:t>8</a:t>
-            </a:fld>
-            <a:endParaRPr lang="en-US" dirty="0"/>
-          </a:p>
-        </p:txBody>
-      </p:sp>
-    </p:spTree>
-    <p:extLst>
-      <p:ext uri="{BB962C8B-B14F-4D97-AF65-F5344CB8AC3E}">
-        <p14:creationId xmlns:p14="http://schemas.microsoft.com/office/powerpoint/2010/main" val="2131724219"/>
-      </p:ext>
-    </p:extLst>
-  </p:cSld>
-  <p:clrMapOvr>
-    <a:masterClrMapping/>
-  </p:clrMapOvr>
-</p:notes>
-</file>
-
-<file path=ppt/notesSlides/notesSlide9.xml><?xml version="1.0" encoding="utf-8"?>
-<p:notes xmlns:a="http://schemas.openxmlformats.org/drawingml/2006/main" xmlns:r="http://schemas.openxmlformats.org/officeDocument/2006/relationships" xmlns:p="http://schemas.openxmlformats.org/presentationml/2006/main">
-  <p:cSld>
-    <p:spTree>
-      <p:nvGrpSpPr>
-        <p:cNvPr id="1" name=""/>
-        <p:cNvGrpSpPr/>
-        <p:nvPr/>
-      </p:nvGrpSpPr>
-      <p:grpSpPr>
-        <a:xfrm>
-          <a:off x="0" y="0"/>
-          <a:ext cx="0" cy="0"/>
-          <a:chOff x="0" y="0"/>
-          <a:chExt cx="0" cy="0"/>
-        </a:xfrm>
-      </p:grpSpPr>
-      <p:sp>
-        <p:nvSpPr>
-          <p:cNvPr id="2" name="Slide Image Placeholder 1"/>
-          <p:cNvSpPr>
-            <a:spLocks noGrp="1" noRot="1" noChangeAspect="1"/>
-          </p:cNvSpPr>
-          <p:nvPr>
-            <p:ph type="sldImg"/>
-          </p:nvPr>
-        </p:nvSpPr>
-        <p:spPr/>
-      </p:sp>
-      <p:sp>
-        <p:nvSpPr>
-          <p:cNvPr id="3" name="Notes Placeholder 2"/>
-          <p:cNvSpPr>
-            <a:spLocks noGrp="1"/>
-          </p:cNvSpPr>
-          <p:nvPr>
-            <p:ph type="body" idx="1"/>
-          </p:nvPr>
-        </p:nvSpPr>
-        <p:spPr/>
-        <p:txBody>
-          <a:bodyPr/>
-          <a:lstStyle/>
-          <a:p>
-            <a:r>
-              <a:rPr lang="en-US" dirty="0"/>
               <a:t>This support also runs with Hyper-V Isolation, running on individual Linux distributions or via </a:t>
             </a:r>
             <a:r>
@@ -4614,7 +3848,7 @@
                 <a:tabLst/>
                 <a:defRPr/>
               </a:pPr>
-              <a:t>9</a:t>
+              <a:t>8</a:t>
             </a:fld>
             <a:endParaRPr kumimoji="0" lang="en-US" sz="1200" b="0" i="0" u="none" strike="noStrike" kern="1200" cap="none" spc="0" normalizeH="0" baseline="0" noProof="0">
               <a:ln>
@@ -4637,6 +3871,191 @@
     <p:extLst>
       <p:ext uri="{BB962C8B-B14F-4D97-AF65-F5344CB8AC3E}">
         <p14:creationId xmlns:p14="http://schemas.microsoft.com/office/powerpoint/2010/main" val="4130567868"/>
+      </p:ext>
+    </p:extLst>
+  </p:cSld>
+  <p:clrMapOvr>
+    <a:masterClrMapping/>
+  </p:clrMapOvr>
+</p:notes>
+</file>
+
+<file path=ppt/notesSlides/notesSlide9.xml><?xml version="1.0" encoding="utf-8"?>
+<p:notes xmlns:a="http://schemas.openxmlformats.org/drawingml/2006/main" xmlns:r="http://schemas.openxmlformats.org/officeDocument/2006/relationships" xmlns:p="http://schemas.openxmlformats.org/presentationml/2006/main">
+  <p:cSld>
+    <p:spTree>
+      <p:nvGrpSpPr>
+        <p:cNvPr id="1" name=""/>
+        <p:cNvGrpSpPr/>
+        <p:nvPr/>
+      </p:nvGrpSpPr>
+      <p:grpSpPr>
+        <a:xfrm>
+          <a:off x="0" y="0"/>
+          <a:ext cx="0" cy="0"/>
+          <a:chOff x="0" y="0"/>
+          <a:chExt cx="0" cy="0"/>
+        </a:xfrm>
+      </p:grpSpPr>
+      <p:sp>
+        <p:nvSpPr>
+          <p:cNvPr id="2" name="Slide Image Placeholder 1"/>
+          <p:cNvSpPr>
+            <a:spLocks noGrp="1" noRot="1" noChangeAspect="1"/>
+          </p:cNvSpPr>
+          <p:nvPr>
+            <p:ph type="sldImg"/>
+          </p:nvPr>
+        </p:nvSpPr>
+        <p:spPr/>
+      </p:sp>
+      <p:sp>
+        <p:nvSpPr>
+          <p:cNvPr id="3" name="Notes Placeholder 2"/>
+          <p:cNvSpPr>
+            <a:spLocks noGrp="1"/>
+          </p:cNvSpPr>
+          <p:nvPr>
+            <p:ph type="body" idx="1"/>
+          </p:nvPr>
+        </p:nvSpPr>
+        <p:spPr/>
+        <p:txBody>
+          <a:bodyPr/>
+          <a:lstStyle/>
+          <a:p>
+            <a:endParaRPr lang="en-US" dirty="0"/>
+          </a:p>
+        </p:txBody>
+      </p:sp>
+      <p:sp>
+        <p:nvSpPr>
+          <p:cNvPr id="4" name="Header Placeholder 3"/>
+          <p:cNvSpPr>
+            <a:spLocks noGrp="1"/>
+          </p:cNvSpPr>
+          <p:nvPr>
+            <p:ph type="hdr" sz="quarter" idx="10"/>
+          </p:nvPr>
+        </p:nvSpPr>
+        <p:spPr/>
+        <p:txBody>
+          <a:bodyPr/>
+          <a:lstStyle/>
+          <a:p>
+            <a:r>
+              <a:rPr lang="en-US"/>
+              <a:t>Microsoft Ignite 2016</a:t>
+            </a:r>
+            <a:endParaRPr lang="en-US" dirty="0"/>
+          </a:p>
+        </p:txBody>
+      </p:sp>
+      <p:sp>
+        <p:nvSpPr>
+          <p:cNvPr id="5" name="Footer Placeholder 4"/>
+          <p:cNvSpPr>
+            <a:spLocks noGrp="1"/>
+          </p:cNvSpPr>
+          <p:nvPr>
+            <p:ph type="ftr" sz="quarter" idx="11"/>
+          </p:nvPr>
+        </p:nvSpPr>
+        <p:spPr/>
+        <p:txBody>
+          <a:bodyPr/>
+          <a:lstStyle/>
+          <a:p>
+            <a:pPr defTabSz="914099" eaLnBrk="0" hangingPunct="0"/>
+            <a:r>
+              <a:rPr lang="en-US" sz="400">
+                <a:gradFill>
+                  <a:gsLst>
+                    <a:gs pos="0">
+                      <a:prstClr val="black"/>
+                    </a:gs>
+                    <a:gs pos="100000">
+                      <a:prstClr val="black"/>
+                    </a:gs>
+                  </a:gsLst>
+                  <a:lin ang="5400000" scaled="0"/>
+                </a:gradFill>
+                <a:latin typeface="Segoe UI" pitchFamily="34" charset="0"/>
+                <a:ea typeface="Segoe UI" pitchFamily="34" charset="0"/>
+                <a:cs typeface="Segoe UI" pitchFamily="34" charset="0"/>
+              </a:rPr>
+              <a:t>© 2016 Microsoft Corporation. All rights reserved. MICROSOFT MAKES NO WARRANTIES, EXPRESS, IMPLIED OR STATUTORY, AS TO THE INFORMATION IN THIS PRESENTATION.</a:t>
+            </a:r>
+            <a:endParaRPr lang="en-US" sz="400" dirty="0">
+              <a:gradFill>
+                <a:gsLst>
+                  <a:gs pos="0">
+                    <a:prstClr val="black"/>
+                  </a:gs>
+                  <a:gs pos="100000">
+                    <a:prstClr val="black"/>
+                  </a:gs>
+                </a:gsLst>
+                <a:lin ang="5400000" scaled="0"/>
+              </a:gradFill>
+              <a:latin typeface="Segoe UI" pitchFamily="34" charset="0"/>
+              <a:ea typeface="Segoe UI" pitchFamily="34" charset="0"/>
+              <a:cs typeface="Segoe UI" pitchFamily="34" charset="0"/>
+            </a:endParaRPr>
+          </a:p>
+        </p:txBody>
+      </p:sp>
+      <p:sp>
+        <p:nvSpPr>
+          <p:cNvPr id="6" name="Date Placeholder 5"/>
+          <p:cNvSpPr>
+            <a:spLocks noGrp="1"/>
+          </p:cNvSpPr>
+          <p:nvPr>
+            <p:ph type="dt" idx="12"/>
+          </p:nvPr>
+        </p:nvSpPr>
+        <p:spPr/>
+        <p:txBody>
+          <a:bodyPr/>
+          <a:lstStyle/>
+          <a:p>
+            <a:fld id="{38EEC551-8CDA-4EB6-89BB-2A86C9F091C8}" type="datetime8">
+              <a:rPr lang="en-US" smtClean="0"/>
+              <a:t>5/20/2019 11:46 AM</a:t>
+            </a:fld>
+            <a:endParaRPr lang="en-US" dirty="0"/>
+          </a:p>
+        </p:txBody>
+      </p:sp>
+      <p:sp>
+        <p:nvSpPr>
+          <p:cNvPr id="7" name="Slide Number Placeholder 6"/>
+          <p:cNvSpPr>
+            <a:spLocks noGrp="1"/>
+          </p:cNvSpPr>
+          <p:nvPr>
+            <p:ph type="sldNum" sz="quarter" idx="13"/>
+          </p:nvPr>
+        </p:nvSpPr>
+        <p:spPr/>
+        <p:txBody>
+          <a:bodyPr/>
+          <a:lstStyle/>
+          <a:p>
+            <a:fld id="{B4008EB6-D09E-4580-8CD6-DDB14511944F}" type="slidenum">
+              <a:rPr lang="en-US" smtClean="0"/>
+              <a:pPr/>
+              <a:t>9</a:t>
+            </a:fld>
+            <a:endParaRPr lang="en-US" dirty="0"/>
+          </a:p>
+        </p:txBody>
+      </p:sp>
+    </p:spTree>
+    <p:extLst>
+      <p:ext uri="{BB962C8B-B14F-4D97-AF65-F5344CB8AC3E}">
+        <p14:creationId xmlns:p14="http://schemas.microsoft.com/office/powerpoint/2010/main" val="1094108496"/>
       </p:ext>
     </p:extLst>
   </p:cSld>
@@ -5356,7 +4775,7 @@
           <a:p>
             <a:fld id="{F8E97784-E3E6-405D-A188-BB21A2BFA422}" type="datetimeFigureOut">
               <a:rPr lang="en-US" smtClean="0"/>
-              <a:t>9/23/2017</a:t>
+              <a:t>5/20/2019</a:t>
             </a:fld>
             <a:endParaRPr lang="en-US"/>
           </a:p>
@@ -5848,7 +5267,7 @@
           <a:p>
             <a:fld id="{F8E97784-E3E6-405D-A188-BB21A2BFA422}" type="datetimeFigureOut">
               <a:rPr lang="en-US" smtClean="0"/>
-              <a:t>9/23/2017</a:t>
+              <a:t>5/20/2019</a:t>
             </a:fld>
             <a:endParaRPr lang="en-US"/>
           </a:p>
@@ -6016,7 +5435,7 @@
           <a:p>
             <a:fld id="{F8E97784-E3E6-405D-A188-BB21A2BFA422}" type="datetimeFigureOut">
               <a:rPr lang="en-US" smtClean="0"/>
-              <a:t>9/23/2017</a:t>
+              <a:t>5/20/2019</a:t>
             </a:fld>
             <a:endParaRPr lang="en-US"/>
           </a:p>
@@ -6261,7 +5680,7 @@
           <a:p>
             <a:fld id="{F8E97784-E3E6-405D-A188-BB21A2BFA422}" type="datetimeFigureOut">
               <a:rPr lang="en-US" smtClean="0"/>
-              <a:t>9/23/2017</a:t>
+              <a:t>5/20/2019</a:t>
             </a:fld>
             <a:endParaRPr lang="en-US"/>
           </a:p>
@@ -6490,7 +5909,7 @@
           <a:p>
             <a:fld id="{F8E97784-E3E6-405D-A188-BB21A2BFA422}" type="datetimeFigureOut">
               <a:rPr lang="en-US" smtClean="0"/>
-              <a:t>9/23/2017</a:t>
+              <a:t>5/20/2019</a:t>
             </a:fld>
             <a:endParaRPr lang="en-US"/>
           </a:p>
@@ -6967,7 +6386,7 @@
           <a:p>
             <a:fld id="{F8E97784-E3E6-405D-A188-BB21A2BFA422}" type="datetimeFigureOut">
               <a:rPr lang="en-US" smtClean="0"/>
-              <a:t>9/23/2017</a:t>
+              <a:t>5/20/2019</a:t>
             </a:fld>
             <a:endParaRPr lang="en-US"/>
           </a:p>
@@ -7084,7 +6503,7 @@
           <a:p>
             <a:fld id="{F8E97784-E3E6-405D-A188-BB21A2BFA422}" type="datetimeFigureOut">
               <a:rPr lang="en-US" smtClean="0"/>
-              <a:t>9/23/2017</a:t>
+              <a:t>5/20/2019</a:t>
             </a:fld>
             <a:endParaRPr lang="en-US"/>
           </a:p>
@@ -7179,7 +6598,7 @@
           <a:p>
             <a:fld id="{F8E97784-E3E6-405D-A188-BB21A2BFA422}" type="datetimeFigureOut">
               <a:rPr lang="en-US" smtClean="0"/>
-              <a:t>9/23/2017</a:t>
+              <a:t>5/20/2019</a:t>
             </a:fld>
             <a:endParaRPr lang="en-US"/>
           </a:p>
@@ -7454,7 +6873,7 @@
           <a:p>
             <a:fld id="{F8E97784-E3E6-405D-A188-BB21A2BFA422}" type="datetimeFigureOut">
               <a:rPr lang="en-US" smtClean="0"/>
-              <a:t>9/23/2017</a:t>
+              <a:t>5/20/2019</a:t>
             </a:fld>
             <a:endParaRPr lang="en-US"/>
           </a:p>
@@ -7706,7 +7125,7 @@
           <a:p>
             <a:fld id="{F8E97784-E3E6-405D-A188-BB21A2BFA422}" type="datetimeFigureOut">
               <a:rPr lang="en-US" smtClean="0"/>
-              <a:t>9/23/2017</a:t>
+              <a:t>5/20/2019</a:t>
             </a:fld>
             <a:endParaRPr lang="en-US"/>
           </a:p>
@@ -7874,7 +7293,7 @@
           <a:p>
             <a:fld id="{F8E97784-E3E6-405D-A188-BB21A2BFA422}" type="datetimeFigureOut">
               <a:rPr lang="en-US" smtClean="0"/>
-              <a:t>9/23/2017</a:t>
+              <a:t>5/20/2019</a:t>
             </a:fld>
             <a:endParaRPr lang="en-US"/>
           </a:p>
@@ -8052,7 +7471,7 @@
           <a:p>
             <a:fld id="{F8E97784-E3E6-405D-A188-BB21A2BFA422}" type="datetimeFigureOut">
               <a:rPr lang="en-US" smtClean="0"/>
-              <a:t>9/23/2017</a:t>
+              <a:t>5/20/2019</a:t>
             </a:fld>
             <a:endParaRPr lang="en-US"/>
           </a:p>
@@ -10558,7 +9977,7 @@
       </p:transition>
     </mc:Fallback>
   </mc:AlternateContent>
-  <p:extLst mod="1">
+  <p:extLst>
     <p:ext uri="{DCECCB84-F9BA-43D5-87BE-67443E8EF086}">
       <p15:sldGuideLst xmlns:p15="http://schemas.microsoft.com/office/powerpoint/2012/main">
         <p15:guide id="1" pos="3427">
@@ -11951,7 +11370,6 @@
           <a:ln>
             <a:noFill/>
           </a:ln>
-          <a:extLst/>
         </p:spPr>
         <p:txBody>
           <a:bodyPr vert="horz" wrap="square" lIns="91440" tIns="45720" rIns="91440" bIns="45720" numCol="1" anchor="t" anchorCtr="0" compatLnSpc="1">
@@ -13155,7 +12573,7 @@
       <p:bldP spid="15" grpId="2"/>
     </p:bldLst>
   </p:timing>
-  <p:extLst mod="1">
+  <p:extLst>
     <p:ext uri="{DCECCB84-F9BA-43D5-87BE-67443E8EF086}">
       <p15:sldGuideLst xmlns:p15="http://schemas.microsoft.com/office/powerpoint/2012/main">
         <p15:guide id="4" orient="horz" pos="4406">
@@ -15106,7 +14524,7 @@
       </a:lvl9pPr>
     </p:otherStyle>
   </p:txStyles>
-  <p:extLst mod="1">
+  <p:extLst>
     <p:ext uri="{27BBF7A9-308A-43DC-89C8-2F10F3537804}">
       <p15:sldGuideLst xmlns:p15="http://schemas.microsoft.com/office/powerpoint/2012/main">
         <p15:guide id="1" orient="horz" pos="187">
@@ -15760,7 +15178,7 @@
       </a:lvl9pPr>
     </p:otherStyle>
   </p:txStyles>
-  <p:extLst mod="1">
+  <p:extLst>
     <p:ext uri="{27BBF7A9-308A-43DC-89C8-2F10F3537804}">
       <p15:sldGuideLst xmlns:p15="http://schemas.microsoft.com/office/powerpoint/2012/main">
         <p15:guide id="1" orient="horz" pos="187">
@@ -17747,7 +17165,7 @@
       </a:lvl9pPr>
     </p:otherStyle>
   </p:txStyles>
-  <p:extLst mod="1">
+  <p:extLst>
     <p:ext uri="{27BBF7A9-308A-43DC-89C8-2F10F3537804}">
       <p15:sldGuideLst xmlns:p15="http://schemas.microsoft.com/office/powerpoint/2012/main">
         <p15:guide id="1" orient="horz" pos="187">
@@ -18036,7 +17454,7 @@
           <a:p>
             <a:fld id="{F8E97784-E3E6-405D-A188-BB21A2BFA422}" type="datetimeFigureOut">
               <a:rPr lang="en-US" smtClean="0"/>
-              <a:t>9/23/2017</a:t>
+              <a:t>5/20/2019</a:t>
             </a:fld>
             <a:endParaRPr lang="en-US"/>
           </a:p>
@@ -18951,7 +18369,7 @@
       </a:lvl9pPr>
     </p:otherStyle>
   </p:txStyles>
-  <p:extLst mod="1">
+  <p:extLst>
     <p:ext uri="{27BBF7A9-308A-43DC-89C8-2F10F3537804}">
       <p15:sldGuideLst xmlns:p15="http://schemas.microsoft.com/office/powerpoint/2012/main">
         <p15:guide id="1" orient="horz" pos="187">
@@ -19188,66 +18606,6 @@
 </file>
 
 <file path=ppt/slides/slide10.xml><?xml version="1.0" encoding="utf-8"?>
-<p:sld xmlns:a="http://schemas.openxmlformats.org/drawingml/2006/main" xmlns:r="http://schemas.openxmlformats.org/officeDocument/2006/relationships" xmlns:p="http://schemas.openxmlformats.org/presentationml/2006/main">
-  <p:cSld>
-    <p:spTree>
-      <p:nvGrpSpPr>
-        <p:cNvPr id="1" name=""/>
-        <p:cNvGrpSpPr/>
-        <p:nvPr/>
-      </p:nvGrpSpPr>
-      <p:grpSpPr>
-        <a:xfrm>
-          <a:off x="0" y="0"/>
-          <a:ext cx="0" cy="0"/>
-          <a:chOff x="0" y="0"/>
-          <a:chExt cx="0" cy="0"/>
-        </a:xfrm>
-      </p:grpSpPr>
-      <p:sp>
-        <p:nvSpPr>
-          <p:cNvPr id="2" name="Title 1"/>
-          <p:cNvSpPr>
-            <a:spLocks noGrp="1"/>
-          </p:cNvSpPr>
-          <p:nvPr>
-            <p:ph type="title"/>
-          </p:nvPr>
-        </p:nvSpPr>
-        <p:spPr>
-          <a:xfrm>
-            <a:off x="640458" y="2674311"/>
-            <a:ext cx="11889564" cy="917575"/>
-          </a:xfrm>
-        </p:spPr>
-        <p:txBody>
-          <a:bodyPr/>
-          <a:lstStyle/>
-          <a:p>
-            <a:r>
-              <a:rPr lang="en-US" dirty="0"/>
-              <a:t>Docker and .NET Core</a:t>
-            </a:r>
-          </a:p>
-        </p:txBody>
-      </p:sp>
-    </p:spTree>
-    <p:extLst>
-      <p:ext uri="{BB962C8B-B14F-4D97-AF65-F5344CB8AC3E}">
-        <p14:creationId xmlns:p14="http://schemas.microsoft.com/office/powerpoint/2010/main" val="794066209"/>
-      </p:ext>
-    </p:extLst>
-  </p:cSld>
-  <p:clrMapOvr>
-    <a:masterClrMapping/>
-  </p:clrMapOvr>
-  <p:transition>
-    <p:fade/>
-  </p:transition>
-</p:sld>
-</file>
-
-<file path=ppt/slides/slide11.xml><?xml version="1.0" encoding="utf-8"?>
 <p:sld xmlns:a="http://schemas.openxmlformats.org/drawingml/2006/main" xmlns:r="http://schemas.openxmlformats.org/officeDocument/2006/relationships" xmlns:p="http://schemas.openxmlformats.org/presentationml/2006/main">
   <p:cSld>
     <p:spTree>
@@ -20013,7 +19371,7 @@
 </p:sld>
 </file>
 
-<file path=ppt/slides/slide12.xml><?xml version="1.0" encoding="utf-8"?>
+<file path=ppt/slides/slide11.xml><?xml version="1.0" encoding="utf-8"?>
 <p:sld xmlns:a="http://schemas.openxmlformats.org/drawingml/2006/main" xmlns:r="http://schemas.openxmlformats.org/officeDocument/2006/relationships" xmlns:p="http://schemas.openxmlformats.org/presentationml/2006/main">
   <p:cSld>
     <p:spTree>
@@ -20032,26 +19390,28 @@
       </p:grpSpPr>
       <p:pic>
         <p:nvPicPr>
-          <p:cNvPr id="3" name="Picture 2"/>
-          <p:cNvPicPr/>
+          <p:cNvPr id="5" name="Picture 4">
+            <a:extLst>
+              <a:ext uri="{FF2B5EF4-FFF2-40B4-BE49-F238E27FC236}">
+                <a16:creationId xmlns:a16="http://schemas.microsoft.com/office/drawing/2014/main" id="{6323F8F7-3430-437F-A55B-D4901DDEB531}"/>
+              </a:ext>
+            </a:extLst>
+          </p:cNvPr>
+          <p:cNvPicPr>
+            <a:picLocks noChangeAspect="1"/>
+          </p:cNvPicPr>
           <p:nvPr/>
         </p:nvPicPr>
         <p:blipFill>
-          <a:blip r:embed="rId3" cstate="print">
-            <a:extLst>
-              <a:ext uri="{28A0092B-C50C-407E-A947-70E740481C1C}">
-                <a14:useLocalDpi xmlns:a14="http://schemas.microsoft.com/office/drawing/2010/main" val="0"/>
-              </a:ext>
-            </a:extLst>
-          </a:blip>
+          <a:blip r:embed="rId3"/>
           <a:stretch>
             <a:fillRect/>
           </a:stretch>
         </p:blipFill>
-        <p:spPr bwMode="auto">
+        <p:spPr>
           <a:xfrm>
-            <a:off x="914775" y="388336"/>
-            <a:ext cx="10698363" cy="5852096"/>
+            <a:off x="407987" y="911224"/>
+            <a:ext cx="11620500" cy="5172075"/>
           </a:xfrm>
           <a:prstGeom prst="rect">
             <a:avLst/>
@@ -20062,6 +19422,179 @@
     <p:extLst>
       <p:ext uri="{BB962C8B-B14F-4D97-AF65-F5344CB8AC3E}">
         <p14:creationId xmlns:p14="http://schemas.microsoft.com/office/powerpoint/2010/main" val="78187092"/>
+      </p:ext>
+    </p:extLst>
+  </p:cSld>
+  <p:clrMapOvr>
+    <a:masterClrMapping/>
+  </p:clrMapOvr>
+  <p:transition>
+    <p:fade/>
+  </p:transition>
+</p:sld>
+</file>
+
+<file path=ppt/slides/slide12.xml><?xml version="1.0" encoding="utf-8"?>
+<p:sld xmlns:a="http://schemas.openxmlformats.org/drawingml/2006/main" xmlns:r="http://schemas.openxmlformats.org/officeDocument/2006/relationships" xmlns:p="http://schemas.openxmlformats.org/presentationml/2006/main">
+  <p:cSld>
+    <p:spTree>
+      <p:nvGrpSpPr>
+        <p:cNvPr id="1" name=""/>
+        <p:cNvGrpSpPr/>
+        <p:nvPr/>
+      </p:nvGrpSpPr>
+      <p:grpSpPr>
+        <a:xfrm>
+          <a:off x="0" y="0"/>
+          <a:ext cx="0" cy="0"/>
+          <a:chOff x="0" y="0"/>
+          <a:chExt cx="0" cy="0"/>
+        </a:xfrm>
+      </p:grpSpPr>
+      <p:sp>
+        <p:nvSpPr>
+          <p:cNvPr id="7" name="Text Placeholder 6">
+            <a:extLst>
+              <a:ext uri="{FF2B5EF4-FFF2-40B4-BE49-F238E27FC236}">
+                <a16:creationId xmlns:a16="http://schemas.microsoft.com/office/drawing/2014/main" id="{0B7991C4-309F-49BB-A1B6-F532218A8D84}"/>
+              </a:ext>
+            </a:extLst>
+          </p:cNvPr>
+          <p:cNvSpPr>
+            <a:spLocks noGrp="1"/>
+          </p:cNvSpPr>
+          <p:nvPr>
+            <p:ph type="body" sz="quarter" idx="10"/>
+          </p:nvPr>
+        </p:nvSpPr>
+        <p:spPr>
+          <a:xfrm>
+            <a:off x="274638" y="1212850"/>
+            <a:ext cx="11887200" cy="4124206"/>
+          </a:xfrm>
+        </p:spPr>
+        <p:txBody>
+          <a:bodyPr/>
+          <a:lstStyle/>
+          <a:p>
+            <a:r>
+              <a:rPr lang="en-US" dirty="0" err="1"/>
+              <a:t>sdk</a:t>
+            </a:r>
+            <a:r>
+              <a:rPr lang="en-US" dirty="0"/>
+              <a:t> (1.74GB)</a:t>
+            </a:r>
+          </a:p>
+          <a:p>
+            <a:pPr lvl="1"/>
+            <a:r>
+              <a:rPr lang="en-US" dirty="0"/>
+              <a:t>Contains tools and SDKs to </a:t>
+            </a:r>
+            <a:r>
+              <a:rPr lang="en-US" b="1" dirty="0"/>
+              <a:t>build</a:t>
+            </a:r>
+            <a:r>
+              <a:rPr lang="en-US" dirty="0"/>
+              <a:t> your applications</a:t>
+            </a:r>
+          </a:p>
+          <a:p>
+            <a:r>
+              <a:rPr lang="en-US" dirty="0" err="1"/>
+              <a:t>aspnet</a:t>
+            </a:r>
+            <a:r>
+              <a:rPr lang="en-US" dirty="0"/>
+              <a:t> (260MB)</a:t>
+            </a:r>
+          </a:p>
+          <a:p>
+            <a:pPr lvl="1"/>
+            <a:r>
+              <a:rPr lang="en-US" dirty="0"/>
+              <a:t>Optimized runtime image</a:t>
+            </a:r>
+          </a:p>
+          <a:p>
+            <a:pPr lvl="1"/>
+            <a:r>
+              <a:rPr lang="en-US" dirty="0"/>
+              <a:t>Contains only what you need to </a:t>
+            </a:r>
+            <a:r>
+              <a:rPr lang="en-US" b="1" dirty="0"/>
+              <a:t>run</a:t>
+            </a:r>
+            <a:r>
+              <a:rPr lang="en-US" dirty="0"/>
+              <a:t> your ASP.NET Core application</a:t>
+            </a:r>
+          </a:p>
+          <a:p>
+            <a:r>
+              <a:rPr lang="en-US" dirty="0"/>
+              <a:t>runtime (180MB)</a:t>
+            </a:r>
+          </a:p>
+          <a:p>
+            <a:pPr lvl="1"/>
+            <a:r>
+              <a:rPr lang="en-US" dirty="0"/>
+              <a:t>Optimized runtime image</a:t>
+            </a:r>
+          </a:p>
+          <a:p>
+            <a:pPr lvl="1"/>
+            <a:r>
+              <a:rPr lang="en-US" dirty="0"/>
+              <a:t>Contains only what you need to </a:t>
+            </a:r>
+            <a:r>
+              <a:rPr lang="en-US" b="1" dirty="0"/>
+              <a:t>run</a:t>
+            </a:r>
+            <a:r>
+              <a:rPr lang="en-US" dirty="0"/>
+              <a:t> your ASP.NET Core application</a:t>
+            </a:r>
+          </a:p>
+        </p:txBody>
+      </p:sp>
+      <p:sp>
+        <p:nvSpPr>
+          <p:cNvPr id="4" name="Title 3">
+            <a:extLst>
+              <a:ext uri="{FF2B5EF4-FFF2-40B4-BE49-F238E27FC236}">
+                <a16:creationId xmlns:a16="http://schemas.microsoft.com/office/drawing/2014/main" id="{007DD6C8-66B4-464A-A517-6C2AFA35B580}"/>
+              </a:ext>
+            </a:extLst>
+          </p:cNvPr>
+          <p:cNvSpPr>
+            <a:spLocks noGrp="1"/>
+          </p:cNvSpPr>
+          <p:nvPr>
+            <p:ph type="title"/>
+          </p:nvPr>
+        </p:nvSpPr>
+        <p:spPr/>
+        <p:txBody>
+          <a:bodyPr/>
+          <a:lstStyle/>
+          <a:p>
+            <a:r>
+              <a:rPr lang="en-US" dirty="0"/>
+              <a:t>.NET Core Docker Images: .NET Core 2.2</a:t>
+            </a:r>
+          </a:p>
+        </p:txBody>
+      </p:sp>
+    </p:spTree>
+    <p:extLst>
+      <p:ext uri="{BB962C8B-B14F-4D97-AF65-F5344CB8AC3E}">
+        <p14:creationId xmlns:p14="http://schemas.microsoft.com/office/powerpoint/2010/main" val="3519676128"/>
       </p:ext>
     </p:extLst>
   </p:cSld>
@@ -20110,7 +19643,7 @@
         <p:spPr>
           <a:xfrm>
             <a:off x="274638" y="1212850"/>
-            <a:ext cx="11887200" cy="5539978"/>
+            <a:ext cx="11887200" cy="4124206"/>
           </a:xfrm>
         </p:spPr>
         <p:txBody>
@@ -20118,25 +19651,37 @@
           <a:lstStyle/>
           <a:p>
             <a:r>
+              <a:rPr lang="en-US" dirty="0" err="1"/>
+              <a:t>sdk</a:t>
+            </a:r>
+            <a:r>
               <a:rPr lang="en-US" dirty="0"/>
-              <a:t>dotnet (1.64GB)</a:t>
+              <a:t> (1.4GB -&gt; 722MB)</a:t>
             </a:r>
           </a:p>
           <a:p>
             <a:pPr lvl="1"/>
             <a:r>
               <a:rPr lang="en-US" dirty="0"/>
-              <a:t>Official images for .NET Core for Linux and Windows Server 2016 Nano Server</a:t>
+              <a:t>Contains tools and SDKs to </a:t>
+            </a:r>
+            <a:r>
+              <a:rPr lang="en-US" b="1" dirty="0"/>
+              <a:t>build</a:t>
+            </a:r>
+            <a:r>
+              <a:rPr lang="en-US" dirty="0"/>
+              <a:t> your applications</a:t>
             </a:r>
           </a:p>
           <a:p>
             <a:r>
               <a:rPr lang="en-US" dirty="0" err="1"/>
-              <a:t>aspnetcore</a:t>
+              <a:t>aspnet</a:t>
             </a:r>
             <a:r>
               <a:rPr lang="en-US" dirty="0"/>
-              <a:t> (280MB)</a:t>
+              <a:t> (260MB -&gt; 196MB)</a:t>
             </a:r>
           </a:p>
           <a:p>
@@ -20163,47 +19708,30 @@
           </a:p>
           <a:p>
             <a:r>
-              <a:rPr lang="en-US" dirty="0" err="1"/>
-              <a:t>aspnetcore</a:t>
-            </a:r>
-            <a:r>
               <a:rPr lang="en-US" dirty="0"/>
-              <a:t>-build (1.85GB)</a:t>
+              <a:t>runtime (180MB -&gt; 178MB)</a:t>
             </a:r>
           </a:p>
           <a:p>
             <a:pPr lvl="1"/>
             <a:r>
               <a:rPr lang="en-US" dirty="0"/>
-              <a:t>Contains tools and SDKs to </a:t>
+              <a:t>Optimized runtime image</a:t>
+            </a:r>
+          </a:p>
+          <a:p>
+            <a:pPr lvl="1"/>
+            <a:r>
+              <a:rPr lang="en-US" dirty="0"/>
+              <a:t>Contains only what you need to </a:t>
             </a:r>
             <a:r>
               <a:rPr lang="en-US" b="1" dirty="0"/>
-              <a:t>build</a:t>
+              <a:t>run</a:t>
             </a:r>
             <a:r>
               <a:rPr lang="en-US" dirty="0"/>
-              <a:t> your applications</a:t>
-            </a:r>
-          </a:p>
-          <a:p>
-            <a:pPr lvl="1"/>
-            <a:r>
-              <a:rPr lang="en-US" dirty="0"/>
-              <a:t>.NET Core, ASP.NET SDK, NPM, Bower, Gulp</a:t>
-            </a:r>
-          </a:p>
-          <a:p>
-            <a:r>
-              <a:rPr lang="en-US" dirty="0"/>
-              <a:t>dotnet-samples (219MB)</a:t>
-            </a:r>
-          </a:p>
-          <a:p>
-            <a:pPr lvl="1"/>
-            <a:r>
-              <a:rPr lang="en-US" dirty="0"/>
-              <a:t>Contains several Docker sample images, useful as best practice patterns and starting templates for your own Docker images</a:t>
+              <a:t> your ASP.NET Core application</a:t>
             </a:r>
           </a:p>
         </p:txBody>
@@ -20231,7 +19759,7 @@
           <a:p>
             <a:r>
               <a:rPr lang="en-US" dirty="0"/>
-              <a:t>.NET Core Docker Images</a:t>
+              <a:t>.NET Core Docker Images: .NET Core 3.0</a:t>
             </a:r>
           </a:p>
         </p:txBody>
@@ -20239,7 +19767,7 @@
     </p:spTree>
     <p:extLst>
       <p:ext uri="{BB962C8B-B14F-4D97-AF65-F5344CB8AC3E}">
-        <p14:creationId xmlns:p14="http://schemas.microsoft.com/office/powerpoint/2010/main" val="3519676128"/>
+        <p14:creationId xmlns:p14="http://schemas.microsoft.com/office/powerpoint/2010/main" val="187245033"/>
       </p:ext>
     </p:extLst>
   </p:cSld>
@@ -20306,12 +19834,23 @@
             <p:ph type="body" sz="quarter" idx="12"/>
           </p:nvPr>
         </p:nvSpPr>
-        <p:spPr/>
+        <p:spPr>
+          <a:xfrm>
+            <a:off x="274638" y="3954463"/>
+            <a:ext cx="11338500" cy="1181862"/>
+          </a:xfrm>
+        </p:spPr>
         <p:txBody>
           <a:bodyPr/>
           <a:lstStyle/>
           <a:p>
-            <a:endParaRPr lang="en-US"/>
+            <a:r>
+              <a:rPr lang="en-US" dirty="0">
+                <a:hlinkClick r:id="rId3"/>
+              </a:rPr>
+              <a:t>https://hub.docker.com/_/microsoft-dotnet-core-samples/</a:t>
+            </a:r>
+            <a:endParaRPr lang="en-US" dirty="0"/>
           </a:p>
         </p:txBody>
       </p:sp>
@@ -20357,247 +19896,6 @@
           <a:chExt cx="0" cy="0"/>
         </a:xfrm>
       </p:grpSpPr>
-      <p:pic>
-        <p:nvPicPr>
-          <p:cNvPr id="5" name="Picture 4" descr="Screen Clipping">
-            <a:extLst>
-              <a:ext uri="{FF2B5EF4-FFF2-40B4-BE49-F238E27FC236}">
-                <a16:creationId xmlns:a16="http://schemas.microsoft.com/office/drawing/2014/main" id="{1ABAE8D0-F500-4E16-BD14-0D069E855C40}"/>
-              </a:ext>
-            </a:extLst>
-          </p:cNvPr>
-          <p:cNvPicPr>
-            <a:picLocks noChangeAspect="1"/>
-          </p:cNvPicPr>
-          <p:nvPr/>
-        </p:nvPicPr>
-        <p:blipFill>
-          <a:blip r:embed="rId3"/>
-          <a:stretch>
-            <a:fillRect/>
-          </a:stretch>
-        </p:blipFill>
-        <p:spPr>
-          <a:xfrm>
-            <a:off x="0" y="-53366"/>
-            <a:ext cx="12436475" cy="6019481"/>
-          </a:xfrm>
-          <a:prstGeom prst="rect">
-            <a:avLst/>
-          </a:prstGeom>
-        </p:spPr>
-      </p:pic>
-      <p:sp>
-        <p:nvSpPr>
-          <p:cNvPr id="6" name="TextBox 5">
-            <a:extLst>
-              <a:ext uri="{FF2B5EF4-FFF2-40B4-BE49-F238E27FC236}">
-                <a16:creationId xmlns:a16="http://schemas.microsoft.com/office/drawing/2014/main" id="{285442CC-58E6-4242-A573-1C3F27CEEC46}"/>
-              </a:ext>
-            </a:extLst>
-          </p:cNvPr>
-          <p:cNvSpPr txBox="1"/>
-          <p:nvPr/>
-        </p:nvSpPr>
-        <p:spPr>
-          <a:xfrm>
-            <a:off x="1082311" y="6057554"/>
-            <a:ext cx="10271851" cy="794064"/>
-          </a:xfrm>
-          <a:prstGeom prst="rect">
-            <a:avLst/>
-          </a:prstGeom>
-          <a:noFill/>
-          <a:ln>
-            <a:solidFill>
-              <a:schemeClr val="bg1"/>
-            </a:solidFill>
-          </a:ln>
-        </p:spPr>
-        <p:txBody>
-          <a:bodyPr wrap="none" lIns="182880" tIns="146304" rIns="182880" bIns="146304" rtlCol="0">
-            <a:spAutoFit/>
-          </a:bodyPr>
-          <a:lstStyle/>
-          <a:p>
-            <a:pPr>
-              <a:lnSpc>
-                <a:spcPct val="90000"/>
-              </a:lnSpc>
-              <a:spcAft>
-                <a:spcPts val="600"/>
-              </a:spcAft>
-            </a:pPr>
-            <a:r>
-              <a:rPr lang="en-US" sz="3600" dirty="0">
-                <a:solidFill>
-                  <a:schemeClr val="bg1"/>
-                </a:solidFill>
-              </a:rPr>
-              <a:t>https://www.microsoft.com/net/core#dockercmd</a:t>
-            </a:r>
-          </a:p>
-        </p:txBody>
-      </p:sp>
-    </p:spTree>
-    <p:extLst>
-      <p:ext uri="{BB962C8B-B14F-4D97-AF65-F5344CB8AC3E}">
-        <p14:creationId xmlns:p14="http://schemas.microsoft.com/office/powerpoint/2010/main" val="8020255"/>
-      </p:ext>
-    </p:extLst>
-  </p:cSld>
-  <p:clrMapOvr>
-    <a:masterClrMapping/>
-  </p:clrMapOvr>
-  <p:transition>
-    <p:fade/>
-  </p:transition>
-</p:sld>
-</file>
-
-<file path=ppt/slides/slide16.xml><?xml version="1.0" encoding="utf-8"?>
-<p:sld xmlns:a="http://schemas.openxmlformats.org/drawingml/2006/main" xmlns:r="http://schemas.openxmlformats.org/officeDocument/2006/relationships" xmlns:p="http://schemas.openxmlformats.org/presentationml/2006/main">
-  <p:cSld>
-    <p:spTree>
-      <p:nvGrpSpPr>
-        <p:cNvPr id="1" name=""/>
-        <p:cNvGrpSpPr/>
-        <p:nvPr/>
-      </p:nvGrpSpPr>
-      <p:grpSpPr>
-        <a:xfrm>
-          <a:off x="0" y="0"/>
-          <a:ext cx="0" cy="0"/>
-          <a:chOff x="0" y="0"/>
-          <a:chExt cx="0" cy="0"/>
-        </a:xfrm>
-      </p:grpSpPr>
-      <p:pic>
-        <p:nvPicPr>
-          <p:cNvPr id="3" name="Picture 2" descr="Screen Clipping">
-            <a:extLst>
-              <a:ext uri="{FF2B5EF4-FFF2-40B4-BE49-F238E27FC236}">
-                <a16:creationId xmlns:a16="http://schemas.microsoft.com/office/drawing/2014/main" id="{B0B81A7F-3F8E-4030-AF6C-4610F4DBD4E2}"/>
-              </a:ext>
-            </a:extLst>
-          </p:cNvPr>
-          <p:cNvPicPr>
-            <a:picLocks noChangeAspect="1"/>
-          </p:cNvPicPr>
-          <p:nvPr/>
-        </p:nvPicPr>
-        <p:blipFill>
-          <a:blip r:embed="rId3"/>
-          <a:stretch>
-            <a:fillRect/>
-          </a:stretch>
-        </p:blipFill>
-        <p:spPr>
-          <a:xfrm>
-            <a:off x="325014" y="0"/>
-            <a:ext cx="11786447" cy="6994525"/>
-          </a:xfrm>
-          <a:prstGeom prst="rect">
-            <a:avLst/>
-          </a:prstGeom>
-        </p:spPr>
-      </p:pic>
-    </p:spTree>
-    <p:extLst>
-      <p:ext uri="{BB962C8B-B14F-4D97-AF65-F5344CB8AC3E}">
-        <p14:creationId xmlns:p14="http://schemas.microsoft.com/office/powerpoint/2010/main" val="3881754258"/>
-      </p:ext>
-    </p:extLst>
-  </p:cSld>
-  <p:clrMapOvr>
-    <a:masterClrMapping/>
-  </p:clrMapOvr>
-  <p:transition>
-    <p:fade/>
-  </p:transition>
-</p:sld>
-</file>
-
-<file path=ppt/slides/slide17.xml><?xml version="1.0" encoding="utf-8"?>
-<p:sld xmlns:a="http://schemas.openxmlformats.org/drawingml/2006/main" xmlns:r="http://schemas.openxmlformats.org/officeDocument/2006/relationships" xmlns:p="http://schemas.openxmlformats.org/presentationml/2006/main">
-  <p:cSld>
-    <p:spTree>
-      <p:nvGrpSpPr>
-        <p:cNvPr id="1" name=""/>
-        <p:cNvGrpSpPr/>
-        <p:nvPr/>
-      </p:nvGrpSpPr>
-      <p:grpSpPr>
-        <a:xfrm>
-          <a:off x="0" y="0"/>
-          <a:ext cx="0" cy="0"/>
-          <a:chOff x="0" y="0"/>
-          <a:chExt cx="0" cy="0"/>
-        </a:xfrm>
-      </p:grpSpPr>
-      <p:pic>
-        <p:nvPicPr>
-          <p:cNvPr id="3" name="Picture 2" descr="Screen Clipping">
-            <a:extLst>
-              <a:ext uri="{FF2B5EF4-FFF2-40B4-BE49-F238E27FC236}">
-                <a16:creationId xmlns:a16="http://schemas.microsoft.com/office/drawing/2014/main" id="{D59105F9-3F18-4355-9B5F-20AF688A69DC}"/>
-              </a:ext>
-            </a:extLst>
-          </p:cNvPr>
-          <p:cNvPicPr>
-            <a:picLocks noChangeAspect="1"/>
-          </p:cNvPicPr>
-          <p:nvPr/>
-        </p:nvPicPr>
-        <p:blipFill>
-          <a:blip r:embed="rId3"/>
-          <a:stretch>
-            <a:fillRect/>
-          </a:stretch>
-        </p:blipFill>
-        <p:spPr>
-          <a:xfrm>
-            <a:off x="1912336" y="710811"/>
-            <a:ext cx="8611802" cy="5572903"/>
-          </a:xfrm>
-          <a:prstGeom prst="rect">
-            <a:avLst/>
-          </a:prstGeom>
-        </p:spPr>
-      </p:pic>
-    </p:spTree>
-    <p:extLst>
-      <p:ext uri="{BB962C8B-B14F-4D97-AF65-F5344CB8AC3E}">
-        <p14:creationId xmlns:p14="http://schemas.microsoft.com/office/powerpoint/2010/main" val="453087872"/>
-      </p:ext>
-    </p:extLst>
-  </p:cSld>
-  <p:clrMapOvr>
-    <a:masterClrMapping/>
-  </p:clrMapOvr>
-  <p:transition>
-    <p:fade/>
-  </p:transition>
-</p:sld>
-</file>
-
-<file path=ppt/slides/slide18.xml><?xml version="1.0" encoding="utf-8"?>
-<p:sld xmlns:a="http://schemas.openxmlformats.org/drawingml/2006/main" xmlns:r="http://schemas.openxmlformats.org/officeDocument/2006/relationships" xmlns:p="http://schemas.openxmlformats.org/presentationml/2006/main">
-  <p:cSld>
-    <p:spTree>
-      <p:nvGrpSpPr>
-        <p:cNvPr id="1" name=""/>
-        <p:cNvGrpSpPr/>
-        <p:nvPr/>
-      </p:nvGrpSpPr>
-      <p:grpSpPr>
-        <a:xfrm>
-          <a:off x="0" y="0"/>
-          <a:ext cx="0" cy="0"/>
-          <a:chOff x="0" y="0"/>
-          <a:chExt cx="0" cy="0"/>
-        </a:xfrm>
-      </p:grpSpPr>
       <p:sp>
         <p:nvSpPr>
           <p:cNvPr id="2" name="Title 1"/>
@@ -20681,7 +19979,7 @@
 </p:sld>
 </file>
 
-<file path=ppt/slides/slide19.xml><?xml version="1.0" encoding="utf-8"?>
+<file path=ppt/slides/slide16.xml><?xml version="1.0" encoding="utf-8"?>
 <p:sld xmlns:a="http://schemas.openxmlformats.org/drawingml/2006/main" xmlns:r="http://schemas.openxmlformats.org/officeDocument/2006/relationships" xmlns:p="http://schemas.openxmlformats.org/presentationml/2006/main">
   <p:cSld>
     <p:spTree>
@@ -26359,224 +25657,6 @@
 </file>
 
 <file path=ppt/slides/slide8.xml><?xml version="1.0" encoding="utf-8"?>
-<p:sld xmlns:a="http://schemas.openxmlformats.org/drawingml/2006/main" xmlns:r="http://schemas.openxmlformats.org/officeDocument/2006/relationships" xmlns:p="http://schemas.openxmlformats.org/presentationml/2006/main">
-  <p:cSld>
-    <p:spTree>
-      <p:nvGrpSpPr>
-        <p:cNvPr id="1" name=""/>
-        <p:cNvGrpSpPr/>
-        <p:nvPr/>
-      </p:nvGrpSpPr>
-      <p:grpSpPr>
-        <a:xfrm>
-          <a:off x="0" y="0"/>
-          <a:ext cx="0" cy="0"/>
-          <a:chOff x="0" y="0"/>
-          <a:chExt cx="0" cy="0"/>
-        </a:xfrm>
-      </p:grpSpPr>
-      <p:sp>
-        <p:nvSpPr>
-          <p:cNvPr id="15" name="Rectangle 11"/>
-          <p:cNvSpPr>
-            <a:spLocks noGrp="1" noRot="1" noChangeAspect="1" noMove="1" noResize="1" noEditPoints="1" noAdjustHandles="1" noChangeArrowheads="1" noChangeShapeType="1" noTextEdit="1"/>
-          </p:cNvSpPr>
-          <p:nvPr>
-            <p:extLst>
-              <p:ext uri="{386F3935-93C4-4BCD-93E2-E3B085C9AB24}">
-                <p16:designElem xmlns:p16="http://schemas.microsoft.com/office/powerpoint/2015/main" val="1"/>
-              </p:ext>
-            </p:extLst>
-          </p:nvPr>
-        </p:nvSpPr>
-        <p:spPr bwMode="white">
-          <a:xfrm>
-            <a:off x="0" y="0"/>
-            <a:ext cx="12436475" cy="6994525"/>
-          </a:xfrm>
-          <a:prstGeom prst="rect">
-            <a:avLst/>
-          </a:prstGeom>
-          <a:solidFill>
-            <a:schemeClr val="bg1"/>
-          </a:solidFill>
-          <a:ln>
-            <a:noFill/>
-          </a:ln>
-          <a:effectLst/>
-        </p:spPr>
-      </p:sp>
-      <p:sp>
-        <p:nvSpPr>
-          <p:cNvPr id="14" name="Rectangle 13">
-            <a:extLst>
-              <a:ext uri="{FF2B5EF4-FFF2-40B4-BE49-F238E27FC236}">
-                <a16:creationId xmlns:a16="http://schemas.microsoft.com/office/drawing/2014/main" id="{01D0AF59-99C3-4251-AB9A-C966C6AD4400}"/>
-              </a:ext>
-            </a:extLst>
-          </p:cNvPr>
-          <p:cNvSpPr>
-            <a:spLocks noGrp="1" noRot="1" noChangeAspect="1" noMove="1" noResize="1" noEditPoints="1" noAdjustHandles="1" noChangeArrowheads="1" noChangeShapeType="1" noTextEdit="1"/>
-          </p:cNvSpPr>
-          <p:nvPr>
-            <p:extLst>
-              <p:ext uri="{386F3935-93C4-4BCD-93E2-E3B085C9AB24}">
-                <p16:designElem xmlns:p16="http://schemas.microsoft.com/office/powerpoint/2015/main" val="1"/>
-              </p:ext>
-            </p:extLst>
-          </p:nvPr>
-        </p:nvSpPr>
-        <p:spPr>
-          <a:xfrm>
-            <a:off x="0" y="0"/>
-            <a:ext cx="12436475" cy="6994525"/>
-          </a:xfrm>
-          <a:prstGeom prst="rect">
-            <a:avLst/>
-          </a:prstGeom>
-          <a:solidFill>
-            <a:schemeClr val="bg2"/>
-          </a:solidFill>
-          <a:ln>
-            <a:noFill/>
-          </a:ln>
-        </p:spPr>
-        <p:style>
-          <a:lnRef idx="2">
-            <a:schemeClr val="accent1">
-              <a:shade val="50000"/>
-            </a:schemeClr>
-          </a:lnRef>
-          <a:fillRef idx="1">
-            <a:schemeClr val="accent1"/>
-          </a:fillRef>
-          <a:effectRef idx="0">
-            <a:schemeClr val="accent1"/>
-          </a:effectRef>
-          <a:fontRef idx="minor">
-            <a:schemeClr val="lt1"/>
-          </a:fontRef>
-        </p:style>
-        <p:txBody>
-          <a:bodyPr rtlCol="0" anchor="ctr"/>
-          <a:lstStyle/>
-          <a:p>
-            <a:pPr algn="ctr"/>
-            <a:endParaRPr lang="en-US"/>
-          </a:p>
-        </p:txBody>
-      </p:sp>
-      <p:sp>
-        <p:nvSpPr>
-          <p:cNvPr id="16" name="Rectangle 15">
-            <a:extLst>
-              <a:ext uri="{FF2B5EF4-FFF2-40B4-BE49-F238E27FC236}">
-                <a16:creationId xmlns:a16="http://schemas.microsoft.com/office/drawing/2014/main" id="{1855405F-37A2-4869-9154-F8BE3BECE6C3}"/>
-              </a:ext>
-            </a:extLst>
-          </p:cNvPr>
-          <p:cNvSpPr>
-            <a:spLocks noGrp="1" noRot="1" noChangeAspect="1" noMove="1" noResize="1" noEditPoints="1" noAdjustHandles="1" noChangeArrowheads="1" noChangeShapeType="1" noTextEdit="1"/>
-          </p:cNvSpPr>
-          <p:nvPr>
-            <p:extLst>
-              <p:ext uri="{386F3935-93C4-4BCD-93E2-E3B085C9AB24}">
-                <p16:designElem xmlns:p16="http://schemas.microsoft.com/office/powerpoint/2015/main" val="1"/>
-              </p:ext>
-            </p:extLst>
-          </p:nvPr>
-        </p:nvSpPr>
-        <p:spPr>
-          <a:xfrm>
-            <a:off x="486577" y="489616"/>
-            <a:ext cx="11463320" cy="6015292"/>
-          </a:xfrm>
-          <a:prstGeom prst="rect">
-            <a:avLst/>
-          </a:prstGeom>
-          <a:solidFill>
-            <a:srgbClr val="FFFFFF"/>
-          </a:solidFill>
-          <a:ln w="9525">
-            <a:noFill/>
-          </a:ln>
-          <a:effectLst>
-            <a:outerShdw blurRad="63500" dist="17780" dir="5400000" algn="t" rotWithShape="0">
-              <a:prstClr val="black">
-                <a:alpha val="43000"/>
-              </a:prstClr>
-            </a:outerShdw>
-          </a:effectLst>
-        </p:spPr>
-        <p:style>
-          <a:lnRef idx="2">
-            <a:schemeClr val="accent1">
-              <a:shade val="50000"/>
-            </a:schemeClr>
-          </a:lnRef>
-          <a:fillRef idx="1">
-            <a:schemeClr val="accent1"/>
-          </a:fillRef>
-          <a:effectRef idx="0">
-            <a:schemeClr val="accent1"/>
-          </a:effectRef>
-          <a:fontRef idx="minor">
-            <a:schemeClr val="lt1"/>
-          </a:fontRef>
-        </p:style>
-        <p:txBody>
-          <a:bodyPr rtlCol="0" anchor="ctr"/>
-          <a:lstStyle/>
-          <a:p>
-            <a:pPr algn="ctr"/>
-            <a:endParaRPr lang="en-US"/>
-          </a:p>
-        </p:txBody>
-      </p:sp>
-      <p:pic>
-        <p:nvPicPr>
-          <p:cNvPr id="7" name="Picture 6" descr="Screen Clipping">
-            <a:extLst>
-              <a:ext uri="{FF2B5EF4-FFF2-40B4-BE49-F238E27FC236}">
-                <a16:creationId xmlns:a16="http://schemas.microsoft.com/office/drawing/2014/main" id="{014BEDE3-0078-41DB-B001-C83E025527BE}"/>
-              </a:ext>
-            </a:extLst>
-          </p:cNvPr>
-          <p:cNvPicPr>
-            <a:picLocks noChangeAspect="1"/>
-          </p:cNvPicPr>
-          <p:nvPr/>
-        </p:nvPicPr>
-        <p:blipFill>
-          <a:blip r:embed="rId3"/>
-          <a:stretch>
-            <a:fillRect/>
-          </a:stretch>
-        </p:blipFill>
-        <p:spPr>
-          <a:xfrm>
-            <a:off x="1099343" y="656276"/>
-            <a:ext cx="10237788" cy="5681972"/>
-          </a:xfrm>
-          <a:prstGeom prst="rect">
-            <a:avLst/>
-          </a:prstGeom>
-        </p:spPr>
-      </p:pic>
-    </p:spTree>
-    <p:extLst>
-      <p:ext uri="{BB962C8B-B14F-4D97-AF65-F5344CB8AC3E}">
-        <p14:creationId xmlns:p14="http://schemas.microsoft.com/office/powerpoint/2010/main" val="1521740194"/>
-      </p:ext>
-    </p:extLst>
-  </p:cSld>
-  <p:clrMapOvr>
-    <a:masterClrMapping/>
-  </p:clrMapOvr>
-</p:sld>
-</file>
-
-<file path=ppt/slides/slide9.xml><?xml version="1.0" encoding="utf-8"?>
 <p:sld xmlns:a="http://schemas.openxmlformats.org/drawingml/2006/main" xmlns:r="http://schemas.openxmlformats.org/officeDocument/2006/relationships" xmlns:p="http://schemas.openxmlformats.org/presentationml/2006/main">
   <p:cSld>
     <p:spTree>
@@ -28101,6 +27181,66 @@
       <p:bldP spid="198" grpId="0" animBg="1"/>
     </p:bldLst>
   </p:timing>
+</p:sld>
+</file>
+
+<file path=ppt/slides/slide9.xml><?xml version="1.0" encoding="utf-8"?>
+<p:sld xmlns:a="http://schemas.openxmlformats.org/drawingml/2006/main" xmlns:r="http://schemas.openxmlformats.org/officeDocument/2006/relationships" xmlns:p="http://schemas.openxmlformats.org/presentationml/2006/main">
+  <p:cSld>
+    <p:spTree>
+      <p:nvGrpSpPr>
+        <p:cNvPr id="1" name=""/>
+        <p:cNvGrpSpPr/>
+        <p:nvPr/>
+      </p:nvGrpSpPr>
+      <p:grpSpPr>
+        <a:xfrm>
+          <a:off x="0" y="0"/>
+          <a:ext cx="0" cy="0"/>
+          <a:chOff x="0" y="0"/>
+          <a:chExt cx="0" cy="0"/>
+        </a:xfrm>
+      </p:grpSpPr>
+      <p:sp>
+        <p:nvSpPr>
+          <p:cNvPr id="2" name="Title 1"/>
+          <p:cNvSpPr>
+            <a:spLocks noGrp="1"/>
+          </p:cNvSpPr>
+          <p:nvPr>
+            <p:ph type="title"/>
+          </p:nvPr>
+        </p:nvSpPr>
+        <p:spPr>
+          <a:xfrm>
+            <a:off x="640458" y="2674311"/>
+            <a:ext cx="11889564" cy="917575"/>
+          </a:xfrm>
+        </p:spPr>
+        <p:txBody>
+          <a:bodyPr/>
+          <a:lstStyle/>
+          <a:p>
+            <a:r>
+              <a:rPr lang="en-US" dirty="0"/>
+              <a:t>Docker and .NET Core</a:t>
+            </a:r>
+          </a:p>
+        </p:txBody>
+      </p:sp>
+    </p:spTree>
+    <p:extLst>
+      <p:ext uri="{BB962C8B-B14F-4D97-AF65-F5344CB8AC3E}">
+        <p14:creationId xmlns:p14="http://schemas.microsoft.com/office/powerpoint/2010/main" val="794066209"/>
+      </p:ext>
+    </p:extLst>
+  </p:cSld>
+  <p:clrMapOvr>
+    <a:masterClrMapping/>
+  </p:clrMapOvr>
+  <p:transition>
+    <p:fade/>
+  </p:transition>
 </p:sld>
 </file>
 
@@ -30132,6 +29272,12 @@
 </file>
 
 <file path=customXml/item1.xml><?xml version="1.0" encoding="utf-8"?>
+<p:properties xmlns:p="http://schemas.microsoft.com/office/2006/metadata/properties" xmlns:xsi="http://www.w3.org/2001/XMLSchema-instance" xmlns:pc="http://schemas.microsoft.com/office/infopath/2007/PartnerControls">
+  <documentManagement/>
+</p:properties>
+</file>
+
+<file path=customXml/item2.xml><?xml version="1.0" encoding="utf-8"?>
 <ct:contentTypeSchema xmlns:ct="http://schemas.microsoft.com/office/2006/metadata/contentType" xmlns:ma="http://schemas.microsoft.com/office/2006/metadata/properties/metaAttributes" ct:_="" ma:_="" ma:contentTypeName="Document" ma:contentTypeID="0x0101004C8AF336095DB84A94AB1A4B939C0475" ma:contentTypeVersion="4" ma:contentTypeDescription="Create a new document." ma:contentTypeScope="" ma:versionID="6f8327450122d2e4aedd139501eaa58b">
   <xsd:schema xmlns:xsd="http://www.w3.org/2001/XMLSchema" xmlns:xs="http://www.w3.org/2001/XMLSchema" xmlns:p="http://schemas.microsoft.com/office/2006/metadata/properties" xmlns:ns2="29eeffc7-3a1a-4f16-995c-1b7b58342919" targetNamespace="http://schemas.microsoft.com/office/2006/metadata/properties" ma:root="true" ma:fieldsID="7d6c3be25c216b690a82d24b3f2244b5" ns2:_="">
     <xsd:import namespace="29eeffc7-3a1a-4f16-995c-1b7b58342919"/>
@@ -30293,12 +29439,6 @@
 </ct:contentTypeSchema>
 </file>
 
-<file path=customXml/item2.xml><?xml version="1.0" encoding="utf-8"?>
-<p:properties xmlns:p="http://schemas.microsoft.com/office/2006/metadata/properties" xmlns:xsi="http://www.w3.org/2001/XMLSchema-instance" xmlns:pc="http://schemas.microsoft.com/office/infopath/2007/PartnerControls">
-  <documentManagement/>
-</p:properties>
-</file>
-
 <file path=customXml/item3.xml><?xml version="1.0" encoding="utf-8"?>
 <?mso-contentType ?>
 <FormTemplates xmlns="http://schemas.microsoft.com/sharepoint/v3/contenttype/forms">
@@ -30309,6 +29449,22 @@
 </file>
 
 <file path=customXml/itemProps1.xml><?xml version="1.0" encoding="utf-8"?>
+<ds:datastoreItem xmlns:ds="http://schemas.openxmlformats.org/officeDocument/2006/customXml" ds:itemID="{F990F116-B58F-4255-B05B-DA3808E0E5C6}">
+  <ds:schemaRefs>
+    <ds:schemaRef ds:uri="http://schemas.microsoft.com/office/2006/metadata/properties"/>
+    <ds:schemaRef ds:uri="29eeffc7-3a1a-4f16-995c-1b7b58342919"/>
+    <ds:schemaRef ds:uri="http://purl.org/dc/terms/"/>
+    <ds:schemaRef ds:uri="http://schemas.openxmlformats.org/package/2006/metadata/core-properties"/>
+    <ds:schemaRef ds:uri="http://purl.org/dc/dcmitype/"/>
+    <ds:schemaRef ds:uri="http://schemas.microsoft.com/office/infopath/2007/PartnerControls"/>
+    <ds:schemaRef ds:uri="http://schemas.microsoft.com/office/2006/documentManagement/types"/>
+    <ds:schemaRef ds:uri="http://purl.org/dc/elements/1.1/"/>
+    <ds:schemaRef ds:uri="http://www.w3.org/XML/1998/namespace"/>
+  </ds:schemaRefs>
+</ds:datastoreItem>
+</file>
+
+<file path=customXml/itemProps2.xml><?xml version="1.0" encoding="utf-8"?>
 <ds:datastoreItem xmlns:ds="http://schemas.openxmlformats.org/officeDocument/2006/customXml" ds:itemID="{4C47C6CA-B255-4F53-A8A9-1A4E6D0653D8}">
   <ds:schemaRefs>
     <ds:schemaRef ds:uri="http://schemas.microsoft.com/office/2006/metadata/contentType"/>
@@ -30326,22 +29482,6 @@
 </ds:datastoreItem>
 </file>
 
-<file path=customXml/itemProps2.xml><?xml version="1.0" encoding="utf-8"?>
-<ds:datastoreItem xmlns:ds="http://schemas.openxmlformats.org/officeDocument/2006/customXml" ds:itemID="{F990F116-B58F-4255-B05B-DA3808E0E5C6}">
-  <ds:schemaRefs>
-    <ds:schemaRef ds:uri="http://schemas.microsoft.com/office/2006/metadata/properties"/>
-    <ds:schemaRef ds:uri="29eeffc7-3a1a-4f16-995c-1b7b58342919"/>
-    <ds:schemaRef ds:uri="http://purl.org/dc/terms/"/>
-    <ds:schemaRef ds:uri="http://schemas.openxmlformats.org/package/2006/metadata/core-properties"/>
-    <ds:schemaRef ds:uri="http://purl.org/dc/dcmitype/"/>
-    <ds:schemaRef ds:uri="http://schemas.microsoft.com/office/infopath/2007/PartnerControls"/>
-    <ds:schemaRef ds:uri="http://schemas.microsoft.com/office/2006/documentManagement/types"/>
-    <ds:schemaRef ds:uri="http://purl.org/dc/elements/1.1/"/>
-    <ds:schemaRef ds:uri="http://www.w3.org/XML/1998/namespace"/>
-  </ds:schemaRefs>
-</ds:datastoreItem>
-</file>
-
 <file path=customXml/itemProps3.xml><?xml version="1.0" encoding="utf-8"?>
 <ds:datastoreItem xmlns:ds="http://schemas.openxmlformats.org/officeDocument/2006/customXml" ds:itemID="{758FDAC0-319D-4A54-8D8E-1D42CB1F8004}">
   <ds:schemaRefs>

--- a/NET-Core-Containers/netcore-containers.pptx
+++ b/NET-Core-Containers/netcore-containers.pptx
@@ -280,7 +280,7 @@
               <a:rPr lang="en-US" smtClean="0">
                 <a:latin typeface="Segoe UI" pitchFamily="34" charset="0"/>
               </a:rPr>
-              <a:t>5/20/2019 11:53 AM</a:t>
+              <a:t>10/14/2020 2:33 PM</a:t>
             </a:fld>
             <a:endParaRPr lang="en-US" dirty="0">
               <a:latin typeface="Segoe UI" pitchFamily="34" charset="0"/>
@@ -561,7 +561,7 @@
           <a:p>
             <a:fld id="{38EEC551-8CDA-4EB6-89BB-2A86C9F091C8}" type="datetime8">
               <a:rPr lang="en-US" smtClean="0"/>
-              <a:t>5/20/2019 11:46 AM</a:t>
+              <a:t>10/14/2020 2:33 PM</a:t>
             </a:fld>
             <a:endParaRPr lang="en-US" dirty="0"/>
           </a:p>
@@ -948,7 +948,7 @@
           <a:p>
             <a:fld id="{38EEC551-8CDA-4EB6-89BB-2A86C9F091C8}" type="datetime8">
               <a:rPr lang="en-US" smtClean="0"/>
-              <a:t>5/20/2019 11:46 AM</a:t>
+              <a:t>10/14/2020 2:33 PM</a:t>
             </a:fld>
             <a:endParaRPr lang="en-US" dirty="0"/>
           </a:p>
@@ -1251,7 +1251,7 @@
                 <a:tabLst/>
                 <a:defRPr/>
               </a:pPr>
-              <a:t>5/20/2019 11:46 AM</a:t>
+              <a:t>10/14/2020 2:33 PM</a:t>
             </a:fld>
             <a:endParaRPr kumimoji="0" lang="en-US" sz="1200" b="0" i="0" u="none" strike="noStrike" kern="1200" cap="none" spc="0" normalizeH="0" baseline="0" noProof="0" dirty="0">
               <a:ln>
@@ -1508,7 +1508,7 @@
           <a:p>
             <a:fld id="{38EEC551-8CDA-4EB6-89BB-2A86C9F091C8}" type="datetime8">
               <a:rPr lang="en-US" smtClean="0"/>
-              <a:t>5/20/2019 11:46 AM</a:t>
+              <a:t>10/14/2020 2:33 PM</a:t>
             </a:fld>
             <a:endParaRPr lang="en-US" dirty="0"/>
           </a:p>
@@ -1696,7 +1696,7 @@
           <a:p>
             <a:fld id="{38EEC551-8CDA-4EB6-89BB-2A86C9F091C8}" type="datetime8">
               <a:rPr lang="en-US" smtClean="0"/>
-              <a:t>5/20/2019 12:32 PM</a:t>
+              <a:t>10/14/2020 2:33 PM</a:t>
             </a:fld>
             <a:endParaRPr lang="en-US" dirty="0"/>
           </a:p>
@@ -1884,7 +1884,7 @@
           <a:p>
             <a:fld id="{38EEC551-8CDA-4EB6-89BB-2A86C9F091C8}" type="datetime8">
               <a:rPr lang="en-US" smtClean="0"/>
-              <a:t>5/20/2019 12:39 PM</a:t>
+              <a:t>10/14/2020 2:33 PM</a:t>
             </a:fld>
             <a:endParaRPr lang="en-US" dirty="0"/>
           </a:p>
@@ -2075,7 +2075,7 @@
           <a:p>
             <a:fld id="{38EEC551-8CDA-4EB6-89BB-2A86C9F091C8}" type="datetime8">
               <a:rPr lang="en-US" smtClean="0"/>
-              <a:t>5/20/2019 12:43 PM</a:t>
+              <a:t>10/14/2020 2:33 PM</a:t>
             </a:fld>
             <a:endParaRPr lang="en-US" dirty="0"/>
           </a:p>
@@ -2271,7 +2271,7 @@
           <a:p>
             <a:fld id="{38EEC551-8CDA-4EB6-89BB-2A86C9F091C8}" type="datetime8">
               <a:rPr lang="en-US" smtClean="0"/>
-              <a:t>5/20/2019 11:46 AM</a:t>
+              <a:t>10/14/2020 2:33 PM</a:t>
             </a:fld>
             <a:endParaRPr lang="en-US" dirty="0"/>
           </a:p>
@@ -2456,7 +2456,7 @@
           <a:p>
             <a:fld id="{38EEC551-8CDA-4EB6-89BB-2A86C9F091C8}" type="datetime8">
               <a:rPr lang="en-US" smtClean="0"/>
-              <a:t>5/20/2019 11:46 AM</a:t>
+              <a:t>10/14/2020 2:33 PM</a:t>
             </a:fld>
             <a:endParaRPr lang="en-US" dirty="0"/>
           </a:p>
@@ -2641,7 +2641,7 @@
           <a:p>
             <a:fld id="{38EEC551-8CDA-4EB6-89BB-2A86C9F091C8}" type="datetime8">
               <a:rPr lang="en-US" smtClean="0"/>
-              <a:t>5/20/2019 11:46 AM</a:t>
+              <a:t>10/14/2020 2:33 PM</a:t>
             </a:fld>
             <a:endParaRPr lang="en-US" dirty="0"/>
           </a:p>
@@ -2974,7 +2974,7 @@
                 <a:tabLst/>
                 <a:defRPr/>
               </a:pPr>
-              <a:t>5/20/2019 11:46 AM</a:t>
+              <a:t>10/14/2020 2:33 PM</a:t>
             </a:fld>
             <a:endParaRPr kumimoji="0" lang="en-US" sz="1200" b="0" i="0" u="none" strike="noStrike" kern="1200" cap="none" spc="0" normalizeH="0" baseline="0" noProof="0" dirty="0">
               <a:ln>
@@ -4022,7 +4022,7 @@
           <a:p>
             <a:fld id="{38EEC551-8CDA-4EB6-89BB-2A86C9F091C8}" type="datetime8">
               <a:rPr lang="en-US" smtClean="0"/>
-              <a:t>5/20/2019 11:46 AM</a:t>
+              <a:t>10/14/2020 2:33 PM</a:t>
             </a:fld>
             <a:endParaRPr lang="en-US" dirty="0"/>
           </a:p>
@@ -4775,7 +4775,7 @@
           <a:p>
             <a:fld id="{F8E97784-E3E6-405D-A188-BB21A2BFA422}" type="datetimeFigureOut">
               <a:rPr lang="en-US" smtClean="0"/>
-              <a:t>5/20/2019</a:t>
+              <a:t>10/14/2020</a:t>
             </a:fld>
             <a:endParaRPr lang="en-US"/>
           </a:p>
@@ -5267,7 +5267,7 @@
           <a:p>
             <a:fld id="{F8E97784-E3E6-405D-A188-BB21A2BFA422}" type="datetimeFigureOut">
               <a:rPr lang="en-US" smtClean="0"/>
-              <a:t>5/20/2019</a:t>
+              <a:t>10/14/2020</a:t>
             </a:fld>
             <a:endParaRPr lang="en-US"/>
           </a:p>
@@ -5435,7 +5435,7 @@
           <a:p>
             <a:fld id="{F8E97784-E3E6-405D-A188-BB21A2BFA422}" type="datetimeFigureOut">
               <a:rPr lang="en-US" smtClean="0"/>
-              <a:t>5/20/2019</a:t>
+              <a:t>10/14/2020</a:t>
             </a:fld>
             <a:endParaRPr lang="en-US"/>
           </a:p>
@@ -5680,7 +5680,7 @@
           <a:p>
             <a:fld id="{F8E97784-E3E6-405D-A188-BB21A2BFA422}" type="datetimeFigureOut">
               <a:rPr lang="en-US" smtClean="0"/>
-              <a:t>5/20/2019</a:t>
+              <a:t>10/14/2020</a:t>
             </a:fld>
             <a:endParaRPr lang="en-US"/>
           </a:p>
@@ -5909,7 +5909,7 @@
           <a:p>
             <a:fld id="{F8E97784-E3E6-405D-A188-BB21A2BFA422}" type="datetimeFigureOut">
               <a:rPr lang="en-US" smtClean="0"/>
-              <a:t>5/20/2019</a:t>
+              <a:t>10/14/2020</a:t>
             </a:fld>
             <a:endParaRPr lang="en-US"/>
           </a:p>
@@ -6386,7 +6386,7 @@
           <a:p>
             <a:fld id="{F8E97784-E3E6-405D-A188-BB21A2BFA422}" type="datetimeFigureOut">
               <a:rPr lang="en-US" smtClean="0"/>
-              <a:t>5/20/2019</a:t>
+              <a:t>10/14/2020</a:t>
             </a:fld>
             <a:endParaRPr lang="en-US"/>
           </a:p>
@@ -6503,7 +6503,7 @@
           <a:p>
             <a:fld id="{F8E97784-E3E6-405D-A188-BB21A2BFA422}" type="datetimeFigureOut">
               <a:rPr lang="en-US" smtClean="0"/>
-              <a:t>5/20/2019</a:t>
+              <a:t>10/14/2020</a:t>
             </a:fld>
             <a:endParaRPr lang="en-US"/>
           </a:p>
@@ -6598,7 +6598,7 @@
           <a:p>
             <a:fld id="{F8E97784-E3E6-405D-A188-BB21A2BFA422}" type="datetimeFigureOut">
               <a:rPr lang="en-US" smtClean="0"/>
-              <a:t>5/20/2019</a:t>
+              <a:t>10/14/2020</a:t>
             </a:fld>
             <a:endParaRPr lang="en-US"/>
           </a:p>
@@ -6873,7 +6873,7 @@
           <a:p>
             <a:fld id="{F8E97784-E3E6-405D-A188-BB21A2BFA422}" type="datetimeFigureOut">
               <a:rPr lang="en-US" smtClean="0"/>
-              <a:t>5/20/2019</a:t>
+              <a:t>10/14/2020</a:t>
             </a:fld>
             <a:endParaRPr lang="en-US"/>
           </a:p>
@@ -7125,7 +7125,7 @@
           <a:p>
             <a:fld id="{F8E97784-E3E6-405D-A188-BB21A2BFA422}" type="datetimeFigureOut">
               <a:rPr lang="en-US" smtClean="0"/>
-              <a:t>5/20/2019</a:t>
+              <a:t>10/14/2020</a:t>
             </a:fld>
             <a:endParaRPr lang="en-US"/>
           </a:p>
@@ -7293,7 +7293,7 @@
           <a:p>
             <a:fld id="{F8E97784-E3E6-405D-A188-BB21A2BFA422}" type="datetimeFigureOut">
               <a:rPr lang="en-US" smtClean="0"/>
-              <a:t>5/20/2019</a:t>
+              <a:t>10/14/2020</a:t>
             </a:fld>
             <a:endParaRPr lang="en-US"/>
           </a:p>
@@ -7471,7 +7471,7 @@
           <a:p>
             <a:fld id="{F8E97784-E3E6-405D-A188-BB21A2BFA422}" type="datetimeFigureOut">
               <a:rPr lang="en-US" smtClean="0"/>
-              <a:t>5/20/2019</a:t>
+              <a:t>10/14/2020</a:t>
             </a:fld>
             <a:endParaRPr lang="en-US"/>
           </a:p>
@@ -17454,7 +17454,7 @@
           <a:p>
             <a:fld id="{F8E97784-E3E6-405D-A188-BB21A2BFA422}" type="datetimeFigureOut">
               <a:rPr lang="en-US" smtClean="0"/>
-              <a:t>5/20/2019</a:t>
+              <a:t>10/14/2020</a:t>
             </a:fld>
             <a:endParaRPr lang="en-US"/>
           </a:p>
@@ -18574,7 +18574,7 @@
           <a:p>
             <a:r>
               <a:rPr lang="en-US" dirty="0"/>
-              <a:t>Speaker Name</a:t>
+              <a:t>Speaker Name </a:t>
             </a:r>
             <a:endParaRPr lang="en-US" sz="2800" dirty="0"/>
           </a:p>
@@ -19759,8 +19759,13 @@
           <a:p>
             <a:r>
               <a:rPr lang="en-US" dirty="0"/>
-              <a:t>.NET Core Docker Images: .NET Core 3.0</a:t>
-            </a:r>
+              <a:t>.NET Core Docker Images: .NET Core </a:t>
+            </a:r>
+            <a:r>
+              <a:rPr lang="en-US"/>
+              <a:t>3.x</a:t>
+            </a:r>
+            <a:endParaRPr lang="en-US" dirty="0"/>
           </a:p>
         </p:txBody>
       </p:sp>
@@ -29272,12 +29277,6 @@
 </file>
 
 <file path=customXml/item1.xml><?xml version="1.0" encoding="utf-8"?>
-<p:properties xmlns:p="http://schemas.microsoft.com/office/2006/metadata/properties" xmlns:xsi="http://www.w3.org/2001/XMLSchema-instance" xmlns:pc="http://schemas.microsoft.com/office/infopath/2007/PartnerControls">
-  <documentManagement/>
-</p:properties>
-</file>
-
-<file path=customXml/item2.xml><?xml version="1.0" encoding="utf-8"?>
 <ct:contentTypeSchema xmlns:ct="http://schemas.microsoft.com/office/2006/metadata/contentType" xmlns:ma="http://schemas.microsoft.com/office/2006/metadata/properties/metaAttributes" ct:_="" ma:_="" ma:contentTypeName="Document" ma:contentTypeID="0x0101004C8AF336095DB84A94AB1A4B939C0475" ma:contentTypeVersion="4" ma:contentTypeDescription="Create a new document." ma:contentTypeScope="" ma:versionID="6f8327450122d2e4aedd139501eaa58b">
   <xsd:schema xmlns:xsd="http://www.w3.org/2001/XMLSchema" xmlns:xs="http://www.w3.org/2001/XMLSchema" xmlns:p="http://schemas.microsoft.com/office/2006/metadata/properties" xmlns:ns2="29eeffc7-3a1a-4f16-995c-1b7b58342919" targetNamespace="http://schemas.microsoft.com/office/2006/metadata/properties" ma:root="true" ma:fieldsID="7d6c3be25c216b690a82d24b3f2244b5" ns2:_="">
     <xsd:import namespace="29eeffc7-3a1a-4f16-995c-1b7b58342919"/>
@@ -29439,6 +29438,12 @@
 </ct:contentTypeSchema>
 </file>
 
+<file path=customXml/item2.xml><?xml version="1.0" encoding="utf-8"?>
+<p:properties xmlns:p="http://schemas.microsoft.com/office/2006/metadata/properties" xmlns:xsi="http://www.w3.org/2001/XMLSchema-instance" xmlns:pc="http://schemas.microsoft.com/office/infopath/2007/PartnerControls">
+  <documentManagement/>
+</p:properties>
+</file>
+
 <file path=customXml/item3.xml><?xml version="1.0" encoding="utf-8"?>
 <?mso-contentType ?>
 <FormTemplates xmlns="http://schemas.microsoft.com/sharepoint/v3/contenttype/forms">
@@ -29449,22 +29454,6 @@
 </file>
 
 <file path=customXml/itemProps1.xml><?xml version="1.0" encoding="utf-8"?>
-<ds:datastoreItem xmlns:ds="http://schemas.openxmlformats.org/officeDocument/2006/customXml" ds:itemID="{F990F116-B58F-4255-B05B-DA3808E0E5C6}">
-  <ds:schemaRefs>
-    <ds:schemaRef ds:uri="http://schemas.microsoft.com/office/2006/metadata/properties"/>
-    <ds:schemaRef ds:uri="29eeffc7-3a1a-4f16-995c-1b7b58342919"/>
-    <ds:schemaRef ds:uri="http://purl.org/dc/terms/"/>
-    <ds:schemaRef ds:uri="http://schemas.openxmlformats.org/package/2006/metadata/core-properties"/>
-    <ds:schemaRef ds:uri="http://purl.org/dc/dcmitype/"/>
-    <ds:schemaRef ds:uri="http://schemas.microsoft.com/office/infopath/2007/PartnerControls"/>
-    <ds:schemaRef ds:uri="http://schemas.microsoft.com/office/2006/documentManagement/types"/>
-    <ds:schemaRef ds:uri="http://purl.org/dc/elements/1.1/"/>
-    <ds:schemaRef ds:uri="http://www.w3.org/XML/1998/namespace"/>
-  </ds:schemaRefs>
-</ds:datastoreItem>
-</file>
-
-<file path=customXml/itemProps2.xml><?xml version="1.0" encoding="utf-8"?>
 <ds:datastoreItem xmlns:ds="http://schemas.openxmlformats.org/officeDocument/2006/customXml" ds:itemID="{4C47C6CA-B255-4F53-A8A9-1A4E6D0653D8}">
   <ds:schemaRefs>
     <ds:schemaRef ds:uri="http://schemas.microsoft.com/office/2006/metadata/contentType"/>
@@ -29482,6 +29471,22 @@
 </ds:datastoreItem>
 </file>
 
+<file path=customXml/itemProps2.xml><?xml version="1.0" encoding="utf-8"?>
+<ds:datastoreItem xmlns:ds="http://schemas.openxmlformats.org/officeDocument/2006/customXml" ds:itemID="{F990F116-B58F-4255-B05B-DA3808E0E5C6}">
+  <ds:schemaRefs>
+    <ds:schemaRef ds:uri="http://schemas.microsoft.com/office/2006/metadata/properties"/>
+    <ds:schemaRef ds:uri="29eeffc7-3a1a-4f16-995c-1b7b58342919"/>
+    <ds:schemaRef ds:uri="http://purl.org/dc/terms/"/>
+    <ds:schemaRef ds:uri="http://schemas.openxmlformats.org/package/2006/metadata/core-properties"/>
+    <ds:schemaRef ds:uri="http://purl.org/dc/dcmitype/"/>
+    <ds:schemaRef ds:uri="http://schemas.microsoft.com/office/infopath/2007/PartnerControls"/>
+    <ds:schemaRef ds:uri="http://schemas.microsoft.com/office/2006/documentManagement/types"/>
+    <ds:schemaRef ds:uri="http://purl.org/dc/elements/1.1/"/>
+    <ds:schemaRef ds:uri="http://www.w3.org/XML/1998/namespace"/>
+  </ds:schemaRefs>
+</ds:datastoreItem>
+</file>
+
 <file path=customXml/itemProps3.xml><?xml version="1.0" encoding="utf-8"?>
 <ds:datastoreItem xmlns:ds="http://schemas.openxmlformats.org/officeDocument/2006/customXml" ds:itemID="{758FDAC0-319D-4A54-8D8E-1D42CB1F8004}">
   <ds:schemaRefs>
